--- a/resources/gaps_paper_slides.pptx
+++ b/resources/gaps_paper_slides.pptx
@@ -10,12 +10,12 @@
   <p:sldIdLst>
     <p:sldId id="256" r:id="rId2"/>
     <p:sldId id="257" r:id="rId3"/>
-    <p:sldId id="258" r:id="rId4"/>
-    <p:sldId id="259" r:id="rId5"/>
-    <p:sldId id="261" r:id="rId6"/>
-    <p:sldId id="262" r:id="rId7"/>
-    <p:sldId id="260" r:id="rId8"/>
-    <p:sldId id="263" r:id="rId9"/>
+    <p:sldId id="268" r:id="rId4"/>
+    <p:sldId id="267" r:id="rId5"/>
+    <p:sldId id="259" r:id="rId6"/>
+    <p:sldId id="261" r:id="rId7"/>
+    <p:sldId id="266" r:id="rId8"/>
+    <p:sldId id="269" r:id="rId9"/>
   </p:sldIdLst>
   <p:sldSz cx="12192000" cy="6858000"/>
   <p:notesSz cx="6858000" cy="9144000"/>
@@ -114,6 +114,11 @@
       </a:defRPr>
     </a:lvl9pPr>
   </p:defaultTextStyle>
+  <p:extLst>
+    <p:ext uri="{EFAFB233-063F-42B5-8137-9DF3F51BA10A}">
+      <p15:sldGuideLst xmlns:p15="http://schemas.microsoft.com/office/powerpoint/2012/main"/>
+    </p:ext>
+  </p:extLst>
 </p:presentation>
 </file>
 
@@ -199,7 +204,7 @@
           <a:p>
             <a:fld id="{2D98DDDC-8C21-314F-9FB3-1CD955EA26E9}" type="datetimeFigureOut">
               <a:rPr lang="en-US" smtClean="0"/>
-              <a:t>9/10/18</a:t>
+              <a:t>9/24/18</a:t>
             </a:fld>
             <a:endParaRPr lang="en-US"/>
           </a:p>
@@ -511,29 +516,22 @@
           <a:bodyPr/>
           <a:lstStyle/>
           <a:p>
-            <a:pPr marL="0" marR="0" indent="0" algn="l" defTabSz="914400" rtl="0" eaLnBrk="1" fontAlgn="auto" latinLnBrk="0" hangingPunct="1">
-              <a:lnSpc>
-                <a:spcPct val="100000"/>
-              </a:lnSpc>
-              <a:spcBef>
-                <a:spcPts val="0"/>
-              </a:spcBef>
-              <a:spcAft>
-                <a:spcPts val="0"/>
-              </a:spcAft>
-              <a:buClrTx/>
-              <a:buSzTx/>
-              <a:buFontTx/>
-              <a:buNone/>
-              <a:tabLst/>
-              <a:defRPr/>
-            </a:pPr>
             <a:r>
               <a:rPr lang="en-US" dirty="0" smtClean="0"/>
-              <a:t>Knowledge gaps proxy for difficulty</a:t>
-            </a:r>
-          </a:p>
-          <a:p>
+              <a:t>-&gt;</a:t>
+            </a:r>
+            <a:r>
+              <a:rPr lang="en-US" baseline="0" dirty="0" smtClean="0"/>
+              <a:t> </a:t>
+            </a:r>
+            <a:r>
+              <a:rPr lang="en-US" dirty="0" smtClean="0"/>
+              <a:t>This is a paper that recently came</a:t>
+            </a:r>
+            <a:r>
+              <a:rPr lang="en-US" baseline="0" dirty="0" smtClean="0"/>
+              <a:t> out in NHB thinking about the dynamics of semantic networks as young children learn new words</a:t>
+            </a:r>
             <a:endParaRPr lang="en-US" dirty="0"/>
           </a:p>
         </p:txBody>
@@ -555,7 +553,7 @@
           <a:p>
             <a:fld id="{FE6667C2-4A55-DB40-8017-649C7ECAE638}" type="slidenum">
               <a:rPr lang="en-US" smtClean="0"/>
-              <a:t>2</a:t>
+              <a:t>1</a:t>
             </a:fld>
             <a:endParaRPr lang="en-US"/>
           </a:p>
@@ -564,7 +562,7 @@
     </p:spTree>
     <p:extLst>
       <p:ext uri="{BB962C8B-B14F-4D97-AF65-F5344CB8AC3E}">
-        <p14:creationId xmlns:p14="http://schemas.microsoft.com/office/powerpoint/2010/main" val="1758349613"/>
+        <p14:creationId xmlns:p14="http://schemas.microsoft.com/office/powerpoint/2010/main" val="1607380860"/>
       </p:ext>
     </p:extLst>
   </p:cSld>
@@ -618,49 +616,27 @@
           <a:bodyPr/>
           <a:lstStyle/>
           <a:p>
-            <a:r>
-              <a:rPr lang="en-US" sz="1200" kern="1200" dirty="0" smtClean="0">
-                <a:solidFill>
-                  <a:schemeClr val="tx1"/>
-                </a:solidFill>
-                <a:effectLst/>
-                <a:latin typeface="+mn-lt"/>
-                <a:ea typeface="+mn-ea"/>
-                <a:cs typeface="+mn-cs"/>
-              </a:rPr>
-              <a:t>One might expect that when one grows one’s vocabulary, one tends to learn words that are similar to words already known. Such a process would leave few if any knowledge gaps, corresponding to topological cavities, within the network, and should be well-modeled by </a:t>
-            </a:r>
-            <a:endParaRPr lang="en-US" dirty="0" smtClean="0"/>
-          </a:p>
-          <a:p>
-            <a:r>
-              <a:rPr lang="en-US" sz="1200" kern="1200" dirty="0" smtClean="0">
-                <a:solidFill>
-                  <a:schemeClr val="tx1"/>
-                </a:solidFill>
-                <a:effectLst/>
-                <a:latin typeface="+mn-lt"/>
-                <a:ea typeface="+mn-ea"/>
-                <a:cs typeface="+mn-cs"/>
-              </a:rPr>
-              <a:t>12 </a:t>
-            </a:r>
-            <a:endParaRPr lang="en-US" dirty="0" smtClean="0"/>
-          </a:p>
-          <a:p>
-            <a:r>
-              <a:rPr lang="en-US" sz="1200" kern="1200" dirty="0" smtClean="0">
-                <a:solidFill>
-                  <a:schemeClr val="tx1"/>
-                </a:solidFill>
-                <a:effectLst/>
-                <a:latin typeface="+mn-lt"/>
-                <a:ea typeface="+mn-ea"/>
-                <a:cs typeface="+mn-cs"/>
-              </a:rPr>
-              <a:t>a topological-distance-from-initial-node rule. </a:t>
-            </a:r>
-            <a:endParaRPr lang="en-US" dirty="0" smtClean="0"/>
+            <a:pPr marL="0" marR="0" indent="0" algn="l" defTabSz="914400" rtl="0" eaLnBrk="1" fontAlgn="auto" latinLnBrk="0" hangingPunct="1">
+              <a:lnSpc>
+                <a:spcPct val="100000"/>
+              </a:lnSpc>
+              <a:spcBef>
+                <a:spcPts val="0"/>
+              </a:spcBef>
+              <a:spcAft>
+                <a:spcPts val="0"/>
+              </a:spcAft>
+              <a:buClrTx/>
+              <a:buSzTx/>
+              <a:buFontTx/>
+              <a:buNone/>
+              <a:tabLst/>
+              <a:defRPr/>
+            </a:pPr>
+            <a:r>
+              <a:rPr lang="en-US" dirty="0" smtClean="0"/>
+              <a:t>Knowledge gaps proxy for difficulty</a:t>
+            </a:r>
           </a:p>
           <a:p>
             <a:endParaRPr lang="en-US" dirty="0"/>
@@ -684,7 +660,7 @@
           <a:p>
             <a:fld id="{FE6667C2-4A55-DB40-8017-649C7ECAE638}" type="slidenum">
               <a:rPr lang="en-US" smtClean="0"/>
-              <a:t>3</a:t>
+              <a:t>2</a:t>
             </a:fld>
             <a:endParaRPr lang="en-US"/>
           </a:p>
@@ -693,7 +669,7 @@
     </p:spTree>
     <p:extLst>
       <p:ext uri="{BB962C8B-B14F-4D97-AF65-F5344CB8AC3E}">
-        <p14:creationId xmlns:p14="http://schemas.microsoft.com/office/powerpoint/2010/main" val="826238278"/>
+        <p14:creationId xmlns:p14="http://schemas.microsoft.com/office/powerpoint/2010/main" val="1758349613"/>
       </p:ext>
     </p:extLst>
   </p:cSld>
@@ -774,11 +750,191 @@
                 <a:ea typeface="+mn-ea"/>
                 <a:cs typeface="+mn-cs"/>
               </a:rPr>
-              <a:t>To further probe mechanisms guiding the evolution of the growing semantic structure, we construct derived n-order complex models that begin with the semantic network and alter either the node ordering or edge placement to determine which (if either) explains the observed evolving architecture. </a:t>
+              <a:t>[a] (LEFT)</a:t>
+            </a:r>
+            <a:r>
+              <a:rPr lang="en-US" sz="1200" kern="1200" baseline="0" dirty="0" smtClean="0">
+                <a:solidFill>
+                  <a:schemeClr val="tx1"/>
+                </a:solidFill>
+                <a:effectLst/>
+                <a:latin typeface="+mn-lt"/>
+                <a:ea typeface="+mn-ea"/>
+                <a:cs typeface="+mn-cs"/>
+              </a:rPr>
+              <a:t> </a:t>
+            </a:r>
+            <a:r>
+              <a:rPr lang="en-US" sz="1200" kern="1200" dirty="0" smtClean="0">
+                <a:solidFill>
+                  <a:schemeClr val="tx1"/>
+                </a:solidFill>
+                <a:effectLst/>
+                <a:latin typeface="+mn-lt"/>
+                <a:ea typeface="+mn-ea"/>
+                <a:cs typeface="+mn-cs"/>
+              </a:rPr>
+              <a:t>Word ordering is given based on the month at which 50% of children produce each word. </a:t>
+            </a:r>
+          </a:p>
+          <a:p>
+            <a:pPr marL="0" marR="0" indent="0" algn="l" defTabSz="914400" rtl="0" eaLnBrk="1" fontAlgn="auto" latinLnBrk="0" hangingPunct="1">
+              <a:lnSpc>
+                <a:spcPct val="100000"/>
+              </a:lnSpc>
+              <a:spcBef>
+                <a:spcPts val="0"/>
+              </a:spcBef>
+              <a:spcAft>
+                <a:spcPts val="0"/>
+              </a:spcAft>
+              <a:buClrTx/>
+              <a:buSzTx/>
+              <a:buFontTx/>
+              <a:buNone/>
+              <a:tabLst/>
+              <a:defRPr/>
+            </a:pPr>
+            <a:r>
+              <a:rPr lang="en-US" sz="1200" kern="1200" dirty="0" smtClean="0">
+                <a:solidFill>
+                  <a:schemeClr val="tx1"/>
+                </a:solidFill>
+                <a:effectLst/>
+                <a:latin typeface="+mn-lt"/>
+                <a:ea typeface="+mn-ea"/>
+                <a:cs typeface="+mn-cs"/>
+              </a:rPr>
+              <a:t>(RIGHT) Semantic features connect nouns (corresponding to nodes), forming the semantic network. </a:t>
+            </a:r>
+          </a:p>
+          <a:p>
+            <a:pPr marL="0" marR="0" indent="0" algn="l" defTabSz="914400" rtl="0" eaLnBrk="1" fontAlgn="auto" latinLnBrk="0" hangingPunct="1">
+              <a:lnSpc>
+                <a:spcPct val="100000"/>
+              </a:lnSpc>
+              <a:spcBef>
+                <a:spcPts val="0"/>
+              </a:spcBef>
+              <a:spcAft>
+                <a:spcPts val="0"/>
+              </a:spcAft>
+              <a:buClrTx/>
+              <a:buSzTx/>
+              <a:buFontTx/>
+              <a:buNone/>
+              <a:tabLst/>
+              <a:defRPr/>
+            </a:pPr>
+            <a:r>
+              <a:rPr lang="en-US" sz="1200" kern="1200" dirty="0" smtClean="0">
+                <a:solidFill>
+                  <a:schemeClr val="tx1"/>
+                </a:solidFill>
+                <a:effectLst/>
+                <a:latin typeface="+mn-lt"/>
+                <a:ea typeface="+mn-ea"/>
+                <a:cs typeface="+mn-cs"/>
+              </a:rPr>
+              <a:t>(CENTER) Combining the binary feature network and word production times creates a growing semantic network with nodes entering based on the first month at which 50% of children can produce the word. </a:t>
+            </a:r>
+          </a:p>
+          <a:p>
+            <a:pPr marL="0" marR="0" indent="0" algn="l" defTabSz="914400" rtl="0" eaLnBrk="1" fontAlgn="auto" latinLnBrk="0" hangingPunct="1">
+              <a:lnSpc>
+                <a:spcPct val="100000"/>
+              </a:lnSpc>
+              <a:spcBef>
+                <a:spcPts val="0"/>
+              </a:spcBef>
+              <a:spcAft>
+                <a:spcPts val="0"/>
+              </a:spcAft>
+              <a:buClrTx/>
+              <a:buSzTx/>
+              <a:buFontTx/>
+              <a:buNone/>
+              <a:tabLst/>
+              <a:defRPr/>
+            </a:pPr>
+            <a:r>
+              <a:rPr lang="en-US" sz="1200" kern="1200" dirty="0" smtClean="0">
+                <a:solidFill>
+                  <a:schemeClr val="tx1"/>
+                </a:solidFill>
+                <a:effectLst/>
+                <a:latin typeface="+mn-lt"/>
+                <a:ea typeface="+mn-ea"/>
+                <a:cs typeface="+mn-cs"/>
+              </a:rPr>
+              <a:t>[b]</a:t>
+            </a:r>
+            <a:r>
+              <a:rPr lang="en-US" sz="1200" kern="1200" baseline="0" dirty="0" smtClean="0">
+                <a:solidFill>
+                  <a:schemeClr val="tx1"/>
+                </a:solidFill>
+                <a:effectLst/>
+                <a:latin typeface="+mn-lt"/>
+                <a:ea typeface="+mn-ea"/>
+                <a:cs typeface="+mn-cs"/>
+              </a:rPr>
+              <a:t> </a:t>
+            </a:r>
+            <a:r>
+              <a:rPr lang="en-US" sz="1200" kern="1200" dirty="0" smtClean="0">
+                <a:solidFill>
+                  <a:schemeClr val="tx1"/>
+                </a:solidFill>
+                <a:effectLst/>
+                <a:latin typeface="+mn-lt"/>
+                <a:ea typeface="+mn-ea"/>
+                <a:cs typeface="+mn-cs"/>
+              </a:rPr>
+              <a:t>A ‘knowledge gap’ could be seen as a topological void within the semantic network. The connection pattern between ‘balloon’, ‘bear’, ‘cheese’, and ‘banana’ leave a gap within the graph (top), but the addition of the node corresponding to ‘bus’ and its connections fills in the cavity (bottom). </a:t>
             </a:r>
             <a:endParaRPr lang="en-US" dirty="0" smtClean="0"/>
           </a:p>
           <a:p>
+            <a:endParaRPr lang="en-US" dirty="0" smtClean="0"/>
+          </a:p>
+          <a:p>
+            <a:pPr marL="0" marR="0" indent="0" algn="l" defTabSz="914400" rtl="0" eaLnBrk="1" fontAlgn="auto" latinLnBrk="0" hangingPunct="1">
+              <a:lnSpc>
+                <a:spcPct val="100000"/>
+              </a:lnSpc>
+              <a:spcBef>
+                <a:spcPts val="0"/>
+              </a:spcBef>
+              <a:spcAft>
+                <a:spcPts val="0"/>
+              </a:spcAft>
+              <a:buClrTx/>
+              <a:buSzTx/>
+              <a:buFontTx/>
+              <a:buNone/>
+              <a:tabLst/>
+              <a:defRPr/>
+            </a:pPr>
+            <a:r>
+              <a:rPr lang="en-US" dirty="0" smtClean="0"/>
+              <a:t>-&gt; </a:t>
+            </a:r>
+            <a:r>
+              <a:rPr lang="en-US" sz="1200" kern="1200" dirty="0" smtClean="0">
+                <a:solidFill>
+                  <a:schemeClr val="tx1"/>
+                </a:solidFill>
+                <a:effectLst/>
+                <a:latin typeface="+mn-lt"/>
+                <a:ea typeface="+mn-ea"/>
+                <a:cs typeface="+mn-cs"/>
+              </a:rPr>
+              <a:t>The features of interest in such a network are then the nodes responsible for filling in the cavity, which correspond to the temporarily missing words. </a:t>
+            </a:r>
+            <a:endParaRPr lang="en-US" dirty="0" smtClean="0"/>
+          </a:p>
+          <a:p>
             <a:endParaRPr lang="en-US" dirty="0"/>
           </a:p>
         </p:txBody>
@@ -800,7 +956,7 @@
           <a:p>
             <a:fld id="{FE6667C2-4A55-DB40-8017-649C7ECAE638}" type="slidenum">
               <a:rPr lang="en-US" smtClean="0"/>
-              <a:t>5</a:t>
+              <a:t>4</a:t>
             </a:fld>
             <a:endParaRPr lang="en-US"/>
           </a:p>
@@ -809,7 +965,7 @@
     </p:spTree>
     <p:extLst>
       <p:ext uri="{BB962C8B-B14F-4D97-AF65-F5344CB8AC3E}">
-        <p14:creationId xmlns:p14="http://schemas.microsoft.com/office/powerpoint/2010/main" val="224930341"/>
+        <p14:creationId xmlns:p14="http://schemas.microsoft.com/office/powerpoint/2010/main" val="1286380623"/>
       </p:ext>
     </p:extLst>
   </p:cSld>
@@ -863,6 +1019,27 @@
           <a:bodyPr/>
           <a:lstStyle/>
           <a:p>
+            <a:pPr marL="0" marR="0" indent="0" algn="l" defTabSz="914400" rtl="0" eaLnBrk="1" fontAlgn="auto" latinLnBrk="0" hangingPunct="1">
+              <a:lnSpc>
+                <a:spcPct val="100000"/>
+              </a:lnSpc>
+              <a:spcBef>
+                <a:spcPts val="0"/>
+              </a:spcBef>
+              <a:spcAft>
+                <a:spcPts val="0"/>
+              </a:spcAft>
+              <a:buClrTx/>
+              <a:buSzTx/>
+              <a:buFontTx/>
+              <a:buNone/>
+              <a:tabLst/>
+              <a:defRPr/>
+            </a:pPr>
+            <a:r>
+              <a:rPr lang="en-US" baseline="0" dirty="0" smtClean="0"/>
+              <a:t>[a] </a:t>
+            </a:r>
             <a:r>
               <a:rPr lang="en-US" sz="1200" kern="1200" dirty="0" smtClean="0">
                 <a:solidFill>
@@ -873,11 +1050,214 @@
                 <a:ea typeface="+mn-ea"/>
                 <a:cs typeface="+mn-cs"/>
               </a:rPr>
-              <a:t>ach edge entering the graph with the addition </a:t>
-            </a:r>
-            <a:endParaRPr lang="en-US" dirty="0" smtClean="0"/>
-          </a:p>
-          <a:p>
+              <a:t>allow all groups of completely connected nodes to define entities</a:t>
+            </a:r>
+            <a:r>
+              <a:rPr lang="en-US" sz="1200" kern="1200" baseline="0" dirty="0" smtClean="0">
+                <a:solidFill>
+                  <a:schemeClr val="tx1"/>
+                </a:solidFill>
+                <a:effectLst/>
+                <a:latin typeface="+mn-lt"/>
+                <a:ea typeface="+mn-ea"/>
+                <a:cs typeface="+mn-cs"/>
+              </a:rPr>
+              <a:t> (cliques) </a:t>
+            </a:r>
+            <a:r>
+              <a:rPr lang="mr-IN" sz="1200" kern="1200" baseline="0" dirty="0" smtClean="0">
+                <a:solidFill>
+                  <a:schemeClr val="tx1"/>
+                </a:solidFill>
+                <a:effectLst/>
+                <a:latin typeface="+mn-lt"/>
+                <a:ea typeface="+mn-ea"/>
+                <a:cs typeface="+mn-cs"/>
+              </a:rPr>
+              <a:t>–</a:t>
+            </a:r>
+            <a:r>
+              <a:rPr lang="en-US" sz="1200" kern="1200" baseline="0" dirty="0" smtClean="0">
+                <a:solidFill>
+                  <a:schemeClr val="tx1"/>
+                </a:solidFill>
+                <a:effectLst/>
+                <a:latin typeface="+mn-lt"/>
+                <a:ea typeface="+mn-ea"/>
+                <a:cs typeface="+mn-cs"/>
+              </a:rPr>
+              <a:t> graph = clique complex X(G)</a:t>
+            </a:r>
+          </a:p>
+          <a:p>
+            <a:pPr marL="0" marR="0" indent="0" algn="l" defTabSz="914400" rtl="0" eaLnBrk="1" fontAlgn="auto" latinLnBrk="0" hangingPunct="1">
+              <a:lnSpc>
+                <a:spcPct val="100000"/>
+              </a:lnSpc>
+              <a:spcBef>
+                <a:spcPts val="0"/>
+              </a:spcBef>
+              <a:spcAft>
+                <a:spcPts val="0"/>
+              </a:spcAft>
+              <a:buClrTx/>
+              <a:buSzTx/>
+              <a:buFontTx/>
+              <a:buNone/>
+              <a:tabLst/>
+              <a:defRPr/>
+            </a:pPr>
+            <a:r>
+              <a:rPr lang="en-US" sz="1200" kern="1200" baseline="0" dirty="0" smtClean="0">
+                <a:solidFill>
+                  <a:schemeClr val="tx1"/>
+                </a:solidFill>
+                <a:effectLst/>
+                <a:latin typeface="+mn-lt"/>
+                <a:ea typeface="+mn-ea"/>
+                <a:cs typeface="+mn-cs"/>
+              </a:rPr>
+              <a:t>[b] LOOP of edges </a:t>
+            </a:r>
+            <a:r>
+              <a:rPr lang="mr-IN" sz="1200" kern="1200" baseline="0" dirty="0" smtClean="0">
+                <a:solidFill>
+                  <a:schemeClr val="tx1"/>
+                </a:solidFill>
+                <a:effectLst/>
+                <a:latin typeface="+mn-lt"/>
+                <a:ea typeface="+mn-ea"/>
+                <a:cs typeface="+mn-cs"/>
+              </a:rPr>
+              <a:t>–</a:t>
+            </a:r>
+            <a:r>
+              <a:rPr lang="en-US" sz="1200" kern="1200" baseline="0" dirty="0" smtClean="0">
+                <a:solidFill>
+                  <a:schemeClr val="tx1"/>
+                </a:solidFill>
+                <a:effectLst/>
+                <a:latin typeface="+mn-lt"/>
+                <a:ea typeface="+mn-ea"/>
+                <a:cs typeface="+mn-cs"/>
+              </a:rPr>
+              <a:t> 1 cycle; loops of </a:t>
+            </a:r>
+            <a:r>
+              <a:rPr lang="en-US" sz="1200" kern="1200" baseline="0" dirty="0" err="1" smtClean="0">
+                <a:solidFill>
+                  <a:schemeClr val="tx1"/>
+                </a:solidFill>
+                <a:effectLst/>
+                <a:latin typeface="+mn-lt"/>
+                <a:ea typeface="+mn-ea"/>
+                <a:cs typeface="+mn-cs"/>
+              </a:rPr>
+              <a:t>trinalges</a:t>
+            </a:r>
+            <a:r>
+              <a:rPr lang="en-US" sz="1200" kern="1200" baseline="0" dirty="0" smtClean="0">
+                <a:solidFill>
+                  <a:schemeClr val="tx1"/>
+                </a:solidFill>
+                <a:effectLst/>
+                <a:latin typeface="+mn-lt"/>
+                <a:ea typeface="+mn-ea"/>
+                <a:cs typeface="+mn-cs"/>
+              </a:rPr>
+              <a:t> </a:t>
+            </a:r>
+            <a:r>
+              <a:rPr lang="mr-IN" sz="1200" kern="1200" baseline="0" dirty="0" smtClean="0">
+                <a:solidFill>
+                  <a:schemeClr val="tx1"/>
+                </a:solidFill>
+                <a:effectLst/>
+                <a:latin typeface="+mn-lt"/>
+                <a:ea typeface="+mn-ea"/>
+                <a:cs typeface="+mn-cs"/>
+              </a:rPr>
+              <a:t>–</a:t>
+            </a:r>
+            <a:r>
+              <a:rPr lang="en-US" sz="1200" kern="1200" baseline="0" dirty="0" smtClean="0">
+                <a:solidFill>
+                  <a:schemeClr val="tx1"/>
+                </a:solidFill>
+                <a:effectLst/>
+                <a:latin typeface="+mn-lt"/>
+                <a:ea typeface="+mn-ea"/>
+                <a:cs typeface="+mn-cs"/>
+              </a:rPr>
+              <a:t> 2 cycle; </a:t>
+            </a:r>
+            <a:r>
+              <a:rPr lang="en-US" sz="1200" kern="1200" baseline="0" dirty="0" err="1" smtClean="0">
+                <a:solidFill>
+                  <a:schemeClr val="tx1"/>
+                </a:solidFill>
+                <a:effectLst/>
+                <a:latin typeface="+mn-lt"/>
+                <a:ea typeface="+mn-ea"/>
+                <a:cs typeface="+mn-cs"/>
+              </a:rPr>
+              <a:t>buttom</a:t>
+            </a:r>
+            <a:r>
+              <a:rPr lang="en-US" sz="1200" kern="1200" baseline="0" dirty="0" smtClean="0">
+                <a:solidFill>
+                  <a:schemeClr val="tx1"/>
+                </a:solidFill>
+                <a:effectLst/>
+                <a:latin typeface="+mn-lt"/>
+                <a:ea typeface="+mn-ea"/>
+                <a:cs typeface="+mn-cs"/>
+              </a:rPr>
+              <a:t> clique formed by maroon </a:t>
+            </a:r>
+            <a:r>
+              <a:rPr lang="en-US" sz="1200" kern="1200" baseline="0" dirty="0" err="1" smtClean="0">
+                <a:solidFill>
+                  <a:schemeClr val="tx1"/>
+                </a:solidFill>
+                <a:effectLst/>
+                <a:latin typeface="+mn-lt"/>
+                <a:ea typeface="+mn-ea"/>
+                <a:cs typeface="+mn-cs"/>
+              </a:rPr>
+              <a:t>poitn</a:t>
+            </a:r>
+            <a:r>
+              <a:rPr lang="en-US" sz="1200" kern="1200" baseline="0" dirty="0" smtClean="0">
+                <a:solidFill>
+                  <a:schemeClr val="tx1"/>
+                </a:solidFill>
+                <a:effectLst/>
+                <a:latin typeface="+mn-lt"/>
+                <a:ea typeface="+mn-ea"/>
+                <a:cs typeface="+mn-cs"/>
+              </a:rPr>
+              <a:t> filling in clique</a:t>
+            </a:r>
+          </a:p>
+          <a:p>
+            <a:pPr marL="0" marR="0" indent="0" algn="l" defTabSz="914400" rtl="0" eaLnBrk="1" fontAlgn="auto" latinLnBrk="0" hangingPunct="1">
+              <a:lnSpc>
+                <a:spcPct val="100000"/>
+              </a:lnSpc>
+              <a:spcBef>
+                <a:spcPts val="0"/>
+              </a:spcBef>
+              <a:spcAft>
+                <a:spcPts val="0"/>
+              </a:spcAft>
+              <a:buClrTx/>
+              <a:buSzTx/>
+              <a:buFontTx/>
+              <a:buNone/>
+              <a:tabLst/>
+              <a:defRPr/>
+            </a:pPr>
             <a:r>
               <a:rPr lang="en-US" sz="1200" kern="1200" dirty="0" smtClean="0">
                 <a:solidFill>
@@ -888,7 +1268,7 @@
                 <a:ea typeface="+mn-ea"/>
                 <a:cs typeface="+mn-cs"/>
               </a:rPr>
-              <a:t>of node n a probability p =</a:t>
+              <a:t>-&gt;</a:t>
             </a:r>
             <a:r>
               <a:rPr lang="en-US" sz="1200" kern="1200" baseline="0" dirty="0" smtClean="0">
@@ -900,11 +1280,248 @@
                 <a:ea typeface="+mn-ea"/>
                 <a:cs typeface="+mn-cs"/>
               </a:rPr>
-              <a:t> .2</a:t>
+              <a:t> </a:t>
+            </a:r>
+            <a:r>
+              <a:rPr lang="en-US" sz="1200" kern="1200" dirty="0" smtClean="0">
+                <a:solidFill>
+                  <a:schemeClr val="tx1"/>
+                </a:solidFill>
+                <a:effectLst/>
+                <a:latin typeface="+mn-lt"/>
+                <a:ea typeface="+mn-ea"/>
+                <a:cs typeface="+mn-cs"/>
+              </a:rPr>
+              <a:t>homology counts the number of cavities in each dimension of a clique complex constructed from a binary graph. </a:t>
+            </a:r>
+          </a:p>
+          <a:p>
+            <a:pPr marL="0" marR="0" indent="0" algn="l" defTabSz="914400" rtl="0" eaLnBrk="1" fontAlgn="auto" latinLnBrk="0" hangingPunct="1">
+              <a:lnSpc>
+                <a:spcPct val="100000"/>
+              </a:lnSpc>
+              <a:spcBef>
+                <a:spcPts val="0"/>
+              </a:spcBef>
+              <a:spcAft>
+                <a:spcPts val="0"/>
+              </a:spcAft>
+              <a:buClrTx/>
+              <a:buSzTx/>
+              <a:buFontTx/>
+              <a:buNone/>
+              <a:tabLst/>
+              <a:defRPr/>
+            </a:pPr>
+            <a:endParaRPr lang="en-US" sz="1200" kern="1200" dirty="0" smtClean="0">
+              <a:solidFill>
+                <a:schemeClr val="tx1"/>
+              </a:solidFill>
+              <a:effectLst/>
+              <a:latin typeface="+mn-lt"/>
+              <a:ea typeface="+mn-ea"/>
+              <a:cs typeface="+mn-cs"/>
+            </a:endParaRPr>
+          </a:p>
+          <a:p>
+            <a:pPr marL="0" marR="0" indent="0" algn="l" defTabSz="914400" rtl="0" eaLnBrk="1" fontAlgn="auto" latinLnBrk="0" hangingPunct="1">
+              <a:lnSpc>
+                <a:spcPct val="100000"/>
+              </a:lnSpc>
+              <a:spcBef>
+                <a:spcPts val="0"/>
+              </a:spcBef>
+              <a:spcAft>
+                <a:spcPts val="0"/>
+              </a:spcAft>
+              <a:buClrTx/>
+              <a:buSzTx/>
+              <a:buFontTx/>
+              <a:buNone/>
+              <a:tabLst/>
+              <a:defRPr/>
+            </a:pPr>
+            <a:r>
+              <a:rPr lang="en-US" sz="1200" kern="1200" dirty="0" smtClean="0">
+                <a:solidFill>
+                  <a:schemeClr val="tx1"/>
+                </a:solidFill>
+                <a:effectLst/>
+                <a:latin typeface="+mn-lt"/>
+                <a:ea typeface="+mn-ea"/>
+                <a:cs typeface="+mn-cs"/>
+              </a:rPr>
+              <a:t>THEN: add time dimension</a:t>
+            </a:r>
+          </a:p>
+          <a:p>
+            <a:pPr marL="0" marR="0" indent="0" algn="l" defTabSz="914400" rtl="0" eaLnBrk="1" fontAlgn="auto" latinLnBrk="0" hangingPunct="1">
+              <a:lnSpc>
+                <a:spcPct val="100000"/>
+              </a:lnSpc>
+              <a:spcBef>
+                <a:spcPts val="0"/>
+              </a:spcBef>
+              <a:spcAft>
+                <a:spcPts val="0"/>
+              </a:spcAft>
+              <a:buClrTx/>
+              <a:buSzTx/>
+              <a:buFontTx/>
+              <a:buNone/>
+              <a:tabLst/>
+              <a:defRPr/>
+            </a:pPr>
+            <a:r>
+              <a:rPr lang="en-US" sz="1200" kern="1200" dirty="0" smtClean="0">
+                <a:solidFill>
+                  <a:schemeClr val="tx1"/>
+                </a:solidFill>
+                <a:effectLst/>
+                <a:latin typeface="+mn-lt"/>
+                <a:ea typeface="+mn-ea"/>
+                <a:cs typeface="+mn-cs"/>
+              </a:rPr>
+              <a:t>[c] SEQUENCE</a:t>
+            </a:r>
+            <a:r>
+              <a:rPr lang="en-US" sz="1200" kern="1200" baseline="0" dirty="0" smtClean="0">
+                <a:solidFill>
+                  <a:schemeClr val="tx1"/>
+                </a:solidFill>
+                <a:effectLst/>
+                <a:latin typeface="+mn-lt"/>
+                <a:ea typeface="+mn-ea"/>
+                <a:cs typeface="+mn-cs"/>
+              </a:rPr>
+              <a:t> </a:t>
+            </a:r>
+            <a:r>
+              <a:rPr lang="en-US" sz="1200" kern="1200" dirty="0" smtClean="0">
+                <a:solidFill>
+                  <a:schemeClr val="tx1"/>
+                </a:solidFill>
+                <a:effectLst/>
+                <a:latin typeface="+mn-lt"/>
+                <a:ea typeface="+mn-ea"/>
+                <a:cs typeface="+mn-cs"/>
+              </a:rPr>
+              <a:t> OF SUBGRPAHS</a:t>
+            </a:r>
+            <a:r>
+              <a:rPr lang="en-US" sz="1200" kern="1200" baseline="0" dirty="0" smtClean="0">
+                <a:solidFill>
+                  <a:schemeClr val="tx1"/>
+                </a:solidFill>
+                <a:effectLst/>
+                <a:latin typeface="+mn-lt"/>
+                <a:ea typeface="+mn-ea"/>
+                <a:cs typeface="+mn-cs"/>
+              </a:rPr>
+              <a:t> </a:t>
+            </a:r>
+            <a:r>
+              <a:rPr lang="en-US" sz="1200" kern="1200" dirty="0" smtClean="0">
+                <a:solidFill>
+                  <a:schemeClr val="tx1"/>
+                </a:solidFill>
+                <a:effectLst/>
+                <a:latin typeface="+mn-lt"/>
+                <a:ea typeface="+mn-ea"/>
+                <a:cs typeface="+mn-cs"/>
+              </a:rPr>
+              <a:t>adding one node at a time</a:t>
+            </a:r>
+          </a:p>
+          <a:p>
+            <a:pPr marL="0" marR="0" indent="0" algn="l" defTabSz="914400" rtl="0" eaLnBrk="1" fontAlgn="auto" latinLnBrk="0" hangingPunct="1">
+              <a:lnSpc>
+                <a:spcPct val="100000"/>
+              </a:lnSpc>
+              <a:spcBef>
+                <a:spcPts val="0"/>
+              </a:spcBef>
+              <a:spcAft>
+                <a:spcPts val="0"/>
+              </a:spcAft>
+              <a:buClrTx/>
+              <a:buSzTx/>
+              <a:buFontTx/>
+              <a:buNone/>
+              <a:tabLst/>
+              <a:defRPr/>
+            </a:pPr>
+            <a:r>
+              <a:rPr lang="en-US" sz="1200" kern="1200" dirty="0" smtClean="0">
+                <a:solidFill>
+                  <a:schemeClr val="tx1"/>
+                </a:solidFill>
+                <a:effectLst/>
+                <a:latin typeface="+mn-lt"/>
+                <a:ea typeface="+mn-ea"/>
+                <a:cs typeface="+mn-cs"/>
+              </a:rPr>
+              <a:t>in summary – allows us to extract the number and dimension along with the longevity of topological cavities throughout the growth process. </a:t>
             </a:r>
             <a:endParaRPr lang="en-US" dirty="0" smtClean="0"/>
           </a:p>
           <a:p>
+            <a:pPr marL="0" marR="0" indent="0" algn="l" defTabSz="914400" rtl="0" eaLnBrk="1" fontAlgn="auto" latinLnBrk="0" hangingPunct="1">
+              <a:lnSpc>
+                <a:spcPct val="100000"/>
+              </a:lnSpc>
+              <a:spcBef>
+                <a:spcPts val="0"/>
+              </a:spcBef>
+              <a:spcAft>
+                <a:spcPts val="0"/>
+              </a:spcAft>
+              <a:buClrTx/>
+              <a:buSzTx/>
+              <a:buFontTx/>
+              <a:buNone/>
+              <a:tabLst/>
+              <a:defRPr/>
+            </a:pPr>
+            <a:r>
+              <a:rPr lang="en-US" dirty="0" smtClean="0"/>
+              <a:t>[e] barcode:</a:t>
+            </a:r>
+            <a:r>
+              <a:rPr lang="en-US" baseline="0" dirty="0" smtClean="0"/>
+              <a:t> life and death of  1-cycles/2-cyles; </a:t>
+            </a:r>
+            <a:r>
+              <a:rPr lang="en-US" baseline="0" dirty="0" err="1" smtClean="0"/>
+              <a:t>beti</a:t>
+            </a:r>
+            <a:r>
+              <a:rPr lang="en-US" baseline="0" dirty="0" smtClean="0"/>
+              <a:t> curve number of cycles of each type</a:t>
+            </a:r>
+            <a:endParaRPr lang="en-US" dirty="0" smtClean="0"/>
+          </a:p>
+          <a:p>
+            <a:pPr marL="0" marR="0" indent="0" algn="l" defTabSz="914400" rtl="0" eaLnBrk="1" fontAlgn="auto" latinLnBrk="0" hangingPunct="1">
+              <a:lnSpc>
+                <a:spcPct val="100000"/>
+              </a:lnSpc>
+              <a:spcBef>
+                <a:spcPts val="0"/>
+              </a:spcBef>
+              <a:spcAft>
+                <a:spcPts val="0"/>
+              </a:spcAft>
+              <a:buClrTx/>
+              <a:buSzTx/>
+              <a:buFontTx/>
+              <a:buNone/>
+              <a:tabLst/>
+              <a:defRPr/>
+            </a:pPr>
+            <a:endParaRPr lang="en-US" dirty="0" smtClean="0"/>
+          </a:p>
+          <a:p>
             <a:endParaRPr lang="en-US" dirty="0"/>
           </a:p>
         </p:txBody>
@@ -926,7 +1543,7 @@
           <a:p>
             <a:fld id="{FE6667C2-4A55-DB40-8017-649C7ECAE638}" type="slidenum">
               <a:rPr lang="en-US" smtClean="0"/>
-              <a:t>7</a:t>
+              <a:t>5</a:t>
             </a:fld>
             <a:endParaRPr lang="en-US"/>
           </a:p>
@@ -935,7 +1552,7 @@
     </p:spTree>
     <p:extLst>
       <p:ext uri="{BB962C8B-B14F-4D97-AF65-F5344CB8AC3E}">
-        <p14:creationId xmlns:p14="http://schemas.microsoft.com/office/powerpoint/2010/main" val="145058047"/>
+        <p14:creationId xmlns:p14="http://schemas.microsoft.com/office/powerpoint/2010/main" val="681610752"/>
       </p:ext>
     </p:extLst>
   </p:cSld>
@@ -989,6 +1606,23 @@
           <a:bodyPr/>
           <a:lstStyle/>
           <a:p>
+            <a:pPr marL="0" marR="0" indent="0" algn="l" defTabSz="914400" rtl="0" eaLnBrk="1" fontAlgn="auto" latinLnBrk="0" hangingPunct="1">
+              <a:lnSpc>
+                <a:spcPct val="100000"/>
+              </a:lnSpc>
+              <a:spcBef>
+                <a:spcPts val="0"/>
+              </a:spcBef>
+              <a:spcAft>
+                <a:spcPts val="0"/>
+              </a:spcAft>
+              <a:buClrTx/>
+              <a:buSzTx/>
+              <a:buFontTx/>
+              <a:buNone/>
+              <a:tabLst/>
+              <a:defRPr/>
+            </a:pPr>
             <a:r>
               <a:rPr lang="en-US" sz="1200" kern="1200" dirty="0" smtClean="0">
                 <a:solidFill>
@@ -999,11 +1633,64 @@
                 <a:ea typeface="+mn-ea"/>
                 <a:cs typeface="+mn-cs"/>
               </a:rPr>
-              <a:t>ach edge entering the graph with the addition </a:t>
-            </a:r>
-            <a:endParaRPr lang="en-US" dirty="0" smtClean="0"/>
-          </a:p>
-          <a:p>
+              <a:t>To further probe mechanisms guiding the evolution of the growing semantic structure, we construct derived n-order complex models that begin with the semantic network and alter either the node ordering or edge placement to determine which (if either) explains the observed evolving architecture. </a:t>
+            </a:r>
+            <a:endParaRPr lang="en-US" sz="1200" kern="1200" dirty="0" smtClean="0">
+              <a:solidFill>
+                <a:schemeClr val="tx1"/>
+              </a:solidFill>
+              <a:effectLst/>
+              <a:latin typeface="+mn-lt"/>
+              <a:ea typeface="+mn-ea"/>
+              <a:cs typeface="+mn-cs"/>
+            </a:endParaRPr>
+          </a:p>
+          <a:p>
+            <a:pPr marL="0" marR="0" indent="0" algn="l" defTabSz="914400" rtl="0" eaLnBrk="1" fontAlgn="auto" latinLnBrk="0" hangingPunct="1">
+              <a:lnSpc>
+                <a:spcPct val="100000"/>
+              </a:lnSpc>
+              <a:spcBef>
+                <a:spcPts val="0"/>
+              </a:spcBef>
+              <a:spcAft>
+                <a:spcPts val="0"/>
+              </a:spcAft>
+              <a:buClrTx/>
+              <a:buSzTx/>
+              <a:buFontTx/>
+              <a:buNone/>
+              <a:tabLst/>
+              <a:defRPr/>
+            </a:pPr>
+            <a:endParaRPr lang="en-US" sz="1200" kern="1200" dirty="0" smtClean="0">
+              <a:solidFill>
+                <a:schemeClr val="tx1"/>
+              </a:solidFill>
+              <a:effectLst/>
+              <a:latin typeface="+mn-lt"/>
+              <a:ea typeface="+mn-ea"/>
+              <a:cs typeface="+mn-cs"/>
+            </a:endParaRPr>
+          </a:p>
+          <a:p>
+            <a:pPr marL="0" marR="0" indent="0" algn="l" defTabSz="914400" rtl="0" eaLnBrk="1" fontAlgn="auto" latinLnBrk="0" hangingPunct="1">
+              <a:lnSpc>
+                <a:spcPct val="100000"/>
+              </a:lnSpc>
+              <a:spcBef>
+                <a:spcPts val="0"/>
+              </a:spcBef>
+              <a:spcAft>
+                <a:spcPts val="0"/>
+              </a:spcAft>
+              <a:buClrTx/>
+              <a:buSzTx/>
+              <a:buFontTx/>
+              <a:buNone/>
+              <a:tabLst/>
+              <a:defRPr/>
+            </a:pPr>
             <a:r>
               <a:rPr lang="en-US" sz="1200" kern="1200" dirty="0" smtClean="0">
                 <a:solidFill>
@@ -1014,7 +1701,144 @@
                 <a:ea typeface="+mn-ea"/>
                 <a:cs typeface="+mn-cs"/>
               </a:rPr>
-              <a:t>of node n a probability p =</a:t>
+              <a:t>Next, we ask if there are simple rules by which cavities form and evolve in the growing semantic network. We notice that nodes added late in the growth process have higher chances of having a high degree at the time of their addition than nodes added early in the growth process. Thus, one might hypothesize that the empirically observed pattern of </a:t>
+            </a:r>
+            <a:r>
+              <a:rPr lang="en-US" sz="1200" kern="1200" dirty="0" err="1" smtClean="0">
+                <a:solidFill>
+                  <a:schemeClr val="tx1"/>
+                </a:solidFill>
+                <a:effectLst/>
+                <a:latin typeface="+mn-lt"/>
+                <a:ea typeface="+mn-ea"/>
+                <a:cs typeface="+mn-cs"/>
+              </a:rPr>
+              <a:t>Betti</a:t>
+            </a:r>
+            <a:r>
+              <a:rPr lang="en-US" sz="1200" kern="1200" dirty="0" smtClean="0">
+                <a:solidFill>
+                  <a:schemeClr val="tx1"/>
+                </a:solidFill>
+                <a:effectLst/>
+                <a:latin typeface="+mn-lt"/>
+                <a:ea typeface="+mn-ea"/>
+                <a:cs typeface="+mn-cs"/>
+              </a:rPr>
+              <a:t> curves follows simply from a pattern of higher-connectivity nodes added throughout the filtration. Contrary to this simplistic expectation, we observe instead that the degree of nodes varies considerably across time with no salient trend of either a decreasing or increasing node degree (Fig. 4b). Indeed, when the final node is added there exists great variability in node degrees when plotted in the order of node addition. </a:t>
+            </a:r>
+            <a:endParaRPr lang="en-US" dirty="0" smtClean="0"/>
+          </a:p>
+          <a:p>
+            <a:pPr marL="0" marR="0" indent="0" algn="l" defTabSz="914400" rtl="0" eaLnBrk="1" fontAlgn="auto" latinLnBrk="0" hangingPunct="1">
+              <a:lnSpc>
+                <a:spcPct val="100000"/>
+              </a:lnSpc>
+              <a:spcBef>
+                <a:spcPts val="0"/>
+              </a:spcBef>
+              <a:spcAft>
+                <a:spcPts val="0"/>
+              </a:spcAft>
+              <a:buClrTx/>
+              <a:buSzTx/>
+              <a:buFontTx/>
+              <a:buNone/>
+              <a:tabLst/>
+              <a:defRPr/>
+            </a:pPr>
+            <a:endParaRPr lang="en-US" dirty="0" smtClean="0"/>
+          </a:p>
+          <a:p>
+            <a:endParaRPr lang="en-US" dirty="0" smtClean="0"/>
+          </a:p>
+          <a:p>
+            <a:r>
+              <a:rPr lang="en-US" dirty="0" err="1" smtClean="0"/>
+              <a:t>Perterupe</a:t>
+            </a:r>
+            <a:r>
+              <a:rPr lang="en-US" dirty="0" smtClean="0"/>
+              <a:t> the network in</a:t>
+            </a:r>
+            <a:r>
+              <a:rPr lang="en-US" baseline="0" dirty="0" smtClean="0"/>
+              <a:t>  </a:t>
+            </a:r>
+            <a:r>
+              <a:rPr lang="en-US" baseline="0" dirty="0" err="1" smtClean="0"/>
+              <a:t>diffefent</a:t>
+            </a:r>
+            <a:r>
+              <a:rPr lang="en-US" baseline="0" dirty="0" smtClean="0"/>
+              <a:t> ways with diff generative models</a:t>
+            </a:r>
+            <a:endParaRPr lang="en-US" dirty="0" smtClean="0"/>
+          </a:p>
+          <a:p>
+            <a:r>
+              <a:rPr lang="en-US" dirty="0" smtClean="0"/>
+              <a:t>[c] Randomized nodes</a:t>
+            </a:r>
+          </a:p>
+          <a:p>
+            <a:r>
+              <a:rPr lang="en-US" dirty="0" smtClean="0"/>
+              <a:t>[d] Ordered by decreasing</a:t>
+            </a:r>
+            <a:r>
+              <a:rPr lang="en-US" baseline="0" dirty="0" smtClean="0"/>
+              <a:t> degree</a:t>
+            </a:r>
+          </a:p>
+          <a:p>
+            <a:r>
+              <a:rPr lang="en-US" baseline="0" dirty="0" smtClean="0"/>
+              <a:t>[e] Ordered from </a:t>
+            </a:r>
+            <a:r>
+              <a:rPr lang="en-US" baseline="0" dirty="0" err="1" smtClean="0"/>
+              <a:t>didstance</a:t>
+            </a:r>
+            <a:r>
+              <a:rPr lang="en-US" baseline="0" dirty="0" smtClean="0"/>
+              <a:t> to original </a:t>
+            </a:r>
+            <a:r>
+              <a:rPr lang="en-US" baseline="0" dirty="0" err="1" smtClean="0"/>
+              <a:t>noded</a:t>
+            </a:r>
+            <a:endParaRPr lang="en-US" baseline="0" dirty="0" smtClean="0"/>
+          </a:p>
+          <a:p>
+            <a:pPr marL="0" marR="0" indent="0" algn="l" defTabSz="914400" rtl="0" eaLnBrk="1" fontAlgn="auto" latinLnBrk="0" hangingPunct="1">
+              <a:lnSpc>
+                <a:spcPct val="100000"/>
+              </a:lnSpc>
+              <a:spcBef>
+                <a:spcPts val="0"/>
+              </a:spcBef>
+              <a:spcAft>
+                <a:spcPts val="0"/>
+              </a:spcAft>
+              <a:buClrTx/>
+              <a:buSzTx/>
+              <a:buFontTx/>
+              <a:buNone/>
+              <a:tabLst/>
+              <a:defRPr/>
+            </a:pPr>
+            <a:r>
+              <a:rPr lang="en-US" sz="1200" kern="1200" dirty="0" smtClean="0">
+                <a:solidFill>
+                  <a:schemeClr val="tx1"/>
+                </a:solidFill>
+                <a:effectLst/>
+                <a:latin typeface="+mn-lt"/>
+                <a:ea typeface="+mn-ea"/>
+                <a:cs typeface="+mn-cs"/>
+              </a:rPr>
+              <a:t>[f] keep</a:t>
             </a:r>
             <a:r>
               <a:rPr lang="en-US" sz="1200" kern="1200" baseline="0" dirty="0" smtClean="0">
@@ -1026,11 +1850,67 @@
                 <a:ea typeface="+mn-ea"/>
                 <a:cs typeface="+mn-cs"/>
               </a:rPr>
-              <a:t> .2</a:t>
+              <a:t> </a:t>
+            </a:r>
+            <a:r>
+              <a:rPr lang="en-US" sz="1200" kern="1200" dirty="0" smtClean="0">
+                <a:solidFill>
+                  <a:schemeClr val="tx1"/>
+                </a:solidFill>
+                <a:effectLst/>
+                <a:latin typeface="+mn-lt"/>
+                <a:ea typeface="+mn-ea"/>
+                <a:cs typeface="+mn-cs"/>
+              </a:rPr>
+              <a:t>node ordering constant but now randomly rewire edges while preserving node degree </a:t>
+            </a:r>
+            <a:r>
+              <a:rPr lang="mr-IN" sz="1200" kern="1200" dirty="0" smtClean="0">
+                <a:solidFill>
+                  <a:schemeClr val="tx1"/>
+                </a:solidFill>
+                <a:effectLst/>
+                <a:latin typeface="+mn-lt"/>
+                <a:ea typeface="+mn-ea"/>
+                <a:cs typeface="+mn-cs"/>
+              </a:rPr>
+              <a:t>–</a:t>
+            </a:r>
+            <a:r>
+              <a:rPr lang="en-US" sz="1200" kern="1200" dirty="0" smtClean="0">
+                <a:solidFill>
+                  <a:schemeClr val="tx1"/>
+                </a:solidFill>
+                <a:effectLst/>
+                <a:latin typeface="+mn-lt"/>
+                <a:ea typeface="+mn-ea"/>
+                <a:cs typeface="+mn-cs"/>
+              </a:rPr>
+              <a:t> very different structure</a:t>
             </a:r>
             <a:endParaRPr lang="en-US" dirty="0" smtClean="0"/>
           </a:p>
           <a:p>
+            <a:endParaRPr lang="en-US" dirty="0" smtClean="0"/>
+          </a:p>
+          <a:p>
+            <a:endParaRPr lang="en-US" dirty="0" smtClean="0"/>
+          </a:p>
+          <a:p>
+            <a:r>
+              <a:rPr lang="en-US" dirty="0" smtClean="0"/>
+              <a:t>Different</a:t>
+            </a:r>
+            <a:r>
+              <a:rPr lang="en-US" baseline="0" dirty="0" smtClean="0"/>
+              <a:t> domains</a:t>
+            </a:r>
+          </a:p>
+          <a:p>
+            <a:r>
+              <a:rPr lang="en-US" baseline="0" dirty="0" smtClean="0"/>
+              <a:t>Other tests of </a:t>
+            </a:r>
             <a:endParaRPr lang="en-US" dirty="0"/>
           </a:p>
         </p:txBody>
@@ -1052,7 +1932,7 @@
           <a:p>
             <a:fld id="{FE6667C2-4A55-DB40-8017-649C7ECAE638}" type="slidenum">
               <a:rPr lang="en-US" smtClean="0"/>
-              <a:t>8</a:t>
+              <a:t>6</a:t>
             </a:fld>
             <a:endParaRPr lang="en-US"/>
           </a:p>
@@ -1061,7 +1941,7 @@
     </p:spTree>
     <p:extLst>
       <p:ext uri="{BB962C8B-B14F-4D97-AF65-F5344CB8AC3E}">
-        <p14:creationId xmlns:p14="http://schemas.microsoft.com/office/powerpoint/2010/main" val="33134255"/>
+        <p14:creationId xmlns:p14="http://schemas.microsoft.com/office/powerpoint/2010/main" val="224930341"/>
       </p:ext>
     </p:extLst>
   </p:cSld>
@@ -1202,7 +2082,7 @@
           <a:p>
             <a:fld id="{AD563243-39CF-8245-9D64-A018D6456C07}" type="datetimeFigureOut">
               <a:rPr lang="en-US" smtClean="0"/>
-              <a:t>9/10/18</a:t>
+              <a:t>9/24/18</a:t>
             </a:fld>
             <a:endParaRPr lang="en-US"/>
           </a:p>
@@ -1372,7 +2252,7 @@
           <a:p>
             <a:fld id="{AD563243-39CF-8245-9D64-A018D6456C07}" type="datetimeFigureOut">
               <a:rPr lang="en-US" smtClean="0"/>
-              <a:t>9/10/18</a:t>
+              <a:t>9/24/18</a:t>
             </a:fld>
             <a:endParaRPr lang="en-US"/>
           </a:p>
@@ -1552,7 +2432,7 @@
           <a:p>
             <a:fld id="{AD563243-39CF-8245-9D64-A018D6456C07}" type="datetimeFigureOut">
               <a:rPr lang="en-US" smtClean="0"/>
-              <a:t>9/10/18</a:t>
+              <a:t>9/24/18</a:t>
             </a:fld>
             <a:endParaRPr lang="en-US"/>
           </a:p>
@@ -1722,7 +2602,7 @@
           <a:p>
             <a:fld id="{AD563243-39CF-8245-9D64-A018D6456C07}" type="datetimeFigureOut">
               <a:rPr lang="en-US" smtClean="0"/>
-              <a:t>9/10/18</a:t>
+              <a:t>9/24/18</a:t>
             </a:fld>
             <a:endParaRPr lang="en-US"/>
           </a:p>
@@ -1968,7 +2848,7 @@
           <a:p>
             <a:fld id="{AD563243-39CF-8245-9D64-A018D6456C07}" type="datetimeFigureOut">
               <a:rPr lang="en-US" smtClean="0"/>
-              <a:t>9/10/18</a:t>
+              <a:t>9/24/18</a:t>
             </a:fld>
             <a:endParaRPr lang="en-US"/>
           </a:p>
@@ -2200,7 +3080,7 @@
           <a:p>
             <a:fld id="{AD563243-39CF-8245-9D64-A018D6456C07}" type="datetimeFigureOut">
               <a:rPr lang="en-US" smtClean="0"/>
-              <a:t>9/10/18</a:t>
+              <a:t>9/24/18</a:t>
             </a:fld>
             <a:endParaRPr lang="en-US"/>
           </a:p>
@@ -2567,7 +3447,7 @@
           <a:p>
             <a:fld id="{AD563243-39CF-8245-9D64-A018D6456C07}" type="datetimeFigureOut">
               <a:rPr lang="en-US" smtClean="0"/>
-              <a:t>9/10/18</a:t>
+              <a:t>9/24/18</a:t>
             </a:fld>
             <a:endParaRPr lang="en-US"/>
           </a:p>
@@ -2685,7 +3565,7 @@
           <a:p>
             <a:fld id="{AD563243-39CF-8245-9D64-A018D6456C07}" type="datetimeFigureOut">
               <a:rPr lang="en-US" smtClean="0"/>
-              <a:t>9/10/18</a:t>
+              <a:t>9/24/18</a:t>
             </a:fld>
             <a:endParaRPr lang="en-US"/>
           </a:p>
@@ -2780,7 +3660,7 @@
           <a:p>
             <a:fld id="{AD563243-39CF-8245-9D64-A018D6456C07}" type="datetimeFigureOut">
               <a:rPr lang="en-US" smtClean="0"/>
-              <a:t>9/10/18</a:t>
+              <a:t>9/24/18</a:t>
             </a:fld>
             <a:endParaRPr lang="en-US"/>
           </a:p>
@@ -3057,7 +3937,7 @@
           <a:p>
             <a:fld id="{AD563243-39CF-8245-9D64-A018D6456C07}" type="datetimeFigureOut">
               <a:rPr lang="en-US" smtClean="0"/>
-              <a:t>9/10/18</a:t>
+              <a:t>9/24/18</a:t>
             </a:fld>
             <a:endParaRPr lang="en-US"/>
           </a:p>
@@ -3310,7 +4190,7 @@
           <a:p>
             <a:fld id="{AD563243-39CF-8245-9D64-A018D6456C07}" type="datetimeFigureOut">
               <a:rPr lang="en-US" smtClean="0"/>
-              <a:t>9/10/18</a:t>
+              <a:t>9/24/18</a:t>
             </a:fld>
             <a:endParaRPr lang="en-US"/>
           </a:p>
@@ -3523,7 +4403,7 @@
           <a:p>
             <a:fld id="{AD563243-39CF-8245-9D64-A018D6456C07}" type="datetimeFigureOut">
               <a:rPr lang="en-US" smtClean="0"/>
-              <a:t>9/10/18</a:t>
+              <a:t>9/24/18</a:t>
             </a:fld>
             <a:endParaRPr lang="en-US"/>
           </a:p>
@@ -3937,7 +4817,7 @@
           <p:nvPr/>
         </p:nvPicPr>
         <p:blipFill>
-          <a:blip r:embed="rId2">
+          <a:blip r:embed="rId3">
             <a:extLst>
               <a:ext uri="{28A0092B-C50C-407E-A947-70E740481C1C}">
                 <a14:useLocalDpi xmlns:a14="http://schemas.microsoft.com/office/drawing/2010/main" val="0"/>
@@ -3968,6 +4848,13 @@
   <p:clrMapOvr>
     <a:masterClrMapping/>
   </p:clrMapOvr>
+  <p:timing>
+    <p:tnLst>
+      <p:par>
+        <p:cTn id="1" dur="indefinite" restart="never" nodeType="tmRoot"/>
+      </p:par>
+    </p:tnLst>
+  </p:timing>
 </p:sld>
 </file>
 
@@ -4042,18 +4929,21 @@
                 <a:ea typeface="Avenir Book" charset="0"/>
                 <a:cs typeface="Avenir Book" charset="0"/>
               </a:rPr>
-              <a:t>How do kids learn new words?</a:t>
-            </a:r>
-          </a:p>
-          <a:p>
+              <a:t>How do kids learn new words</a:t>
+            </a:r>
             <a:r>
               <a:rPr lang="en-US" dirty="0" smtClean="0">
                 <a:latin typeface="Avenir Book" charset="0"/>
                 <a:ea typeface="Avenir Book" charset="0"/>
                 <a:cs typeface="Avenir Book" charset="0"/>
               </a:rPr>
-              <a:t>Is it mediated by relationships between the words that kids already know?</a:t>
-            </a:r>
+              <a:t>?</a:t>
+            </a:r>
+            <a:endParaRPr lang="en-US" dirty="0" smtClean="0">
+              <a:latin typeface="Avenir Book" charset="0"/>
+              <a:ea typeface="Avenir Book" charset="0"/>
+              <a:cs typeface="Avenir Book" charset="0"/>
+            </a:endParaRPr>
           </a:p>
           <a:p>
             <a:r>
@@ -4062,31 +4952,122 @@
                 <a:ea typeface="Avenir Book" charset="0"/>
                 <a:cs typeface="Avenir Book" charset="0"/>
               </a:rPr>
-              <a:t>Hypothesis: A kid learns a word similar to the words already known</a:t>
-            </a:r>
-          </a:p>
-          <a:p>
+              <a:t>Mediated by </a:t>
+            </a:r>
             <a:r>
               <a:rPr lang="en-US" dirty="0" smtClean="0">
                 <a:latin typeface="Avenir Book" charset="0"/>
                 <a:ea typeface="Avenir Book" charset="0"/>
                 <a:cs typeface="Avenir Book" charset="0"/>
               </a:rPr>
-              <a:t>Contra this hypothesis, they find that there are gaps (missing words) that are created and then filled in </a:t>
-            </a:r>
-          </a:p>
-          <a:p>
+              <a:t>relationships between the words that kids already know</a:t>
+            </a:r>
             <a:r>
               <a:rPr lang="en-US" dirty="0" smtClean="0">
                 <a:latin typeface="Avenir Book" charset="0"/>
                 <a:ea typeface="Avenir Book" charset="0"/>
                 <a:cs typeface="Avenir Book" charset="0"/>
               </a:rPr>
-              <a:t>Characterize evolution of cavities using applied topology</a:t>
-            </a:r>
-          </a:p>
-          <a:p>
-            <a:endParaRPr lang="en-US" dirty="0"/>
+              <a:t>?</a:t>
+            </a:r>
+          </a:p>
+          <a:p>
+            <a:r>
+              <a:rPr lang="en-US" dirty="0" smtClean="0">
+                <a:latin typeface="Avenir Book" charset="0"/>
+                <a:ea typeface="Avenir Book" charset="0"/>
+                <a:cs typeface="Avenir Book" charset="0"/>
+              </a:rPr>
+              <a:t>Existing hypothesis: Word </a:t>
+            </a:r>
+            <a:r>
+              <a:rPr lang="en-US" dirty="0">
+                <a:latin typeface="Avenir Book" charset="0"/>
+                <a:ea typeface="Avenir Book" charset="0"/>
+                <a:cs typeface="Avenir Book" charset="0"/>
+              </a:rPr>
+              <a:t>is more likely to enter the lexicon the more connected </a:t>
+            </a:r>
+            <a:r>
+              <a:rPr lang="en-US" dirty="0" smtClean="0">
+                <a:latin typeface="Avenir Book" charset="0"/>
+                <a:ea typeface="Avenir Book" charset="0"/>
+                <a:cs typeface="Avenir Book" charset="0"/>
+              </a:rPr>
+              <a:t>it is to related the </a:t>
+            </a:r>
+            <a:r>
+              <a:rPr lang="en-US" dirty="0">
+                <a:latin typeface="Avenir Book" charset="0"/>
+                <a:ea typeface="Avenir Book" charset="0"/>
+                <a:cs typeface="Avenir Book" charset="0"/>
+              </a:rPr>
+              <a:t>known </a:t>
+            </a:r>
+            <a:r>
+              <a:rPr lang="en-US" dirty="0" smtClean="0">
+                <a:latin typeface="Avenir Book" charset="0"/>
+                <a:ea typeface="Avenir Book" charset="0"/>
+                <a:cs typeface="Avenir Book" charset="0"/>
+              </a:rPr>
+              <a:t>words (“preferential attachment”)</a:t>
+            </a:r>
+          </a:p>
+          <a:p>
+            <a:r>
+              <a:rPr lang="en-US" dirty="0" smtClean="0">
+                <a:latin typeface="Avenir Book" charset="0"/>
+                <a:ea typeface="Avenir Book" charset="0"/>
+                <a:cs typeface="Avenir Book" charset="0"/>
+              </a:rPr>
+              <a:t>Are there knowledge gaps (missing unifying concept)?</a:t>
+            </a:r>
+          </a:p>
+          <a:p>
+            <a:r>
+              <a:rPr lang="en-US" dirty="0" smtClean="0">
+                <a:latin typeface="Avenir Book" charset="0"/>
+                <a:ea typeface="Avenir Book" charset="0"/>
+                <a:cs typeface="Avenir Book" charset="0"/>
+              </a:rPr>
+              <a:t>Cavity as proxy for difficulty in learning word</a:t>
+            </a:r>
+            <a:endParaRPr lang="en-US" dirty="0" smtClean="0">
+              <a:latin typeface="Avenir Book" charset="0"/>
+              <a:ea typeface="Avenir Book" charset="0"/>
+              <a:cs typeface="Avenir Book" charset="0"/>
+            </a:endParaRPr>
+          </a:p>
+          <a:p>
+            <a:r>
+              <a:rPr lang="en-US" dirty="0" smtClean="0">
+                <a:latin typeface="Avenir Book" charset="0"/>
+                <a:ea typeface="Avenir Book" charset="0"/>
+                <a:cs typeface="Avenir Book" charset="0"/>
+              </a:rPr>
+              <a:t>Characterize </a:t>
+            </a:r>
+            <a:r>
+              <a:rPr lang="en-US" dirty="0" smtClean="0">
+                <a:latin typeface="Avenir Book" charset="0"/>
+                <a:ea typeface="Avenir Book" charset="0"/>
+                <a:cs typeface="Avenir Book" charset="0"/>
+              </a:rPr>
+              <a:t>evolution of </a:t>
+            </a:r>
+            <a:r>
+              <a:rPr lang="en-US" dirty="0" smtClean="0">
+                <a:latin typeface="Avenir Book" charset="0"/>
+                <a:ea typeface="Avenir Book" charset="0"/>
+                <a:cs typeface="Avenir Book" charset="0"/>
+              </a:rPr>
+              <a:t>cavities in binary network</a:t>
+            </a:r>
+            <a:endParaRPr lang="en-US" dirty="0">
+              <a:latin typeface="Avenir Book" charset="0"/>
+              <a:ea typeface="Avenir Book" charset="0"/>
+              <a:cs typeface="Avenir Book" charset="0"/>
+            </a:endParaRPr>
           </a:p>
         </p:txBody>
       </p:sp>
@@ -4100,10 +5081,354 @@
   <p:clrMapOvr>
     <a:masterClrMapping/>
   </p:clrMapOvr>
+  <p:timing>
+    <p:tnLst>
+      <p:par>
+        <p:cTn id="1" dur="indefinite" restart="never" nodeType="tmRoot"/>
+      </p:par>
+    </p:tnLst>
+  </p:timing>
 </p:sld>
 </file>
 
 <file path=ppt/slides/slide3.xml><?xml version="1.0" encoding="utf-8"?>
+<p:sld xmlns:a="http://schemas.openxmlformats.org/drawingml/2006/main" xmlns:r="http://schemas.openxmlformats.org/officeDocument/2006/relationships" xmlns:p="http://schemas.openxmlformats.org/presentationml/2006/main">
+  <p:cSld>
+    <p:spTree>
+      <p:nvGrpSpPr>
+        <p:cNvPr id="1" name=""/>
+        <p:cNvGrpSpPr/>
+        <p:nvPr/>
+      </p:nvGrpSpPr>
+      <p:grpSpPr>
+        <a:xfrm>
+          <a:off x="0" y="0"/>
+          <a:ext cx="0" cy="0"/>
+          <a:chOff x="0" y="0"/>
+          <a:chExt cx="0" cy="0"/>
+        </a:xfrm>
+      </p:grpSpPr>
+      <p:sp>
+        <p:nvSpPr>
+          <p:cNvPr id="2" name="Title 1"/>
+          <p:cNvSpPr>
+            <a:spLocks noGrp="1"/>
+          </p:cNvSpPr>
+          <p:nvPr>
+            <p:ph type="title"/>
+          </p:nvPr>
+        </p:nvSpPr>
+        <p:spPr/>
+        <p:txBody>
+          <a:bodyPr/>
+          <a:lstStyle/>
+          <a:p>
+            <a:r>
+              <a:rPr lang="en-US" dirty="0" smtClean="0">
+                <a:latin typeface="Avenir Book" charset="0"/>
+                <a:ea typeface="Avenir Book" charset="0"/>
+                <a:cs typeface="Avenir Book" charset="0"/>
+              </a:rPr>
+              <a:t>Method</a:t>
+            </a:r>
+            <a:endParaRPr lang="en-US" dirty="0">
+              <a:latin typeface="Avenir Book" charset="0"/>
+              <a:ea typeface="Avenir Book" charset="0"/>
+              <a:cs typeface="Avenir Book" charset="0"/>
+            </a:endParaRPr>
+          </a:p>
+        </p:txBody>
+      </p:sp>
+      <p:sp>
+        <p:nvSpPr>
+          <p:cNvPr id="3" name="Content Placeholder 2"/>
+          <p:cNvSpPr>
+            <a:spLocks noGrp="1"/>
+          </p:cNvSpPr>
+          <p:nvPr>
+            <p:ph idx="1"/>
+          </p:nvPr>
+        </p:nvSpPr>
+        <p:spPr>
+          <a:xfrm>
+            <a:off x="838200" y="1825625"/>
+            <a:ext cx="5724832" cy="4351338"/>
+          </a:xfrm>
+        </p:spPr>
+        <p:txBody>
+          <a:bodyPr/>
+          <a:lstStyle/>
+          <a:p>
+            <a:r>
+              <a:rPr lang="en-US" dirty="0" smtClean="0">
+                <a:latin typeface="Avenir Book" charset="0"/>
+                <a:ea typeface="Avenir Book" charset="0"/>
+                <a:cs typeface="Avenir Book" charset="0"/>
+              </a:rPr>
+              <a:t>Parent report data (MacArthur-Bates </a:t>
+            </a:r>
+            <a:r>
+              <a:rPr lang="en-US" dirty="0">
+                <a:latin typeface="Avenir Book" charset="0"/>
+                <a:ea typeface="Avenir Book" charset="0"/>
+                <a:cs typeface="Avenir Book" charset="0"/>
+              </a:rPr>
+              <a:t>Communicative Development </a:t>
+            </a:r>
+            <a:r>
+              <a:rPr lang="en-US" dirty="0" smtClean="0">
+                <a:latin typeface="Avenir Book" charset="0"/>
+                <a:ea typeface="Avenir Book" charset="0"/>
+                <a:cs typeface="Avenir Book" charset="0"/>
+              </a:rPr>
+              <a:t>Inventory) from 5511 parents of kids (16-30 </a:t>
+            </a:r>
+            <a:r>
+              <a:rPr lang="en-US" dirty="0" err="1" smtClean="0">
+                <a:latin typeface="Avenir Book" charset="0"/>
+                <a:ea typeface="Avenir Book" charset="0"/>
+                <a:cs typeface="Avenir Book" charset="0"/>
+              </a:rPr>
+              <a:t>mo</a:t>
+            </a:r>
+            <a:r>
+              <a:rPr lang="en-US" dirty="0" smtClean="0">
+                <a:latin typeface="Avenir Book" charset="0"/>
+                <a:ea typeface="Avenir Book" charset="0"/>
+                <a:cs typeface="Avenir Book" charset="0"/>
+              </a:rPr>
+              <a:t>) </a:t>
+            </a:r>
+          </a:p>
+          <a:p>
+            <a:r>
+              <a:rPr lang="en-US" dirty="0" smtClean="0">
+                <a:latin typeface="Avenir Book" charset="0"/>
+                <a:ea typeface="Avenir Book" charset="0"/>
+                <a:cs typeface="Avenir Book" charset="0"/>
+              </a:rPr>
+              <a:t>120 English nouns</a:t>
+            </a:r>
+          </a:p>
+          <a:p>
+            <a:r>
+              <a:rPr lang="en-US" dirty="0" smtClean="0">
+                <a:latin typeface="Avenir Book" charset="0"/>
+                <a:ea typeface="Avenir Book" charset="0"/>
+                <a:cs typeface="Avenir Book" charset="0"/>
+              </a:rPr>
+              <a:t>Age of acquisition = month at which &gt; 50% of kids said word</a:t>
+            </a:r>
+          </a:p>
+          <a:p>
+            <a:r>
+              <a:rPr lang="en-US" dirty="0" smtClean="0">
+                <a:latin typeface="Avenir Book" charset="0"/>
+                <a:ea typeface="Avenir Book" charset="0"/>
+                <a:cs typeface="Avenir Book" charset="0"/>
+              </a:rPr>
+              <a:t>Produces ordering of words based on age</a:t>
+            </a:r>
+          </a:p>
+        </p:txBody>
+      </p:sp>
+      <p:pic>
+        <p:nvPicPr>
+          <p:cNvPr id="4" name="Picture 3"/>
+          <p:cNvPicPr>
+            <a:picLocks noChangeAspect="1"/>
+          </p:cNvPicPr>
+          <p:nvPr/>
+        </p:nvPicPr>
+        <p:blipFill>
+          <a:blip r:embed="rId2">
+            <a:extLst>
+              <a:ext uri="{28A0092B-C50C-407E-A947-70E740481C1C}">
+                <a14:useLocalDpi xmlns:a14="http://schemas.microsoft.com/office/drawing/2010/main" val="0"/>
+              </a:ext>
+            </a:extLst>
+          </a:blip>
+          <a:stretch>
+            <a:fillRect/>
+          </a:stretch>
+        </p:blipFill>
+        <p:spPr>
+          <a:xfrm>
+            <a:off x="6896919" y="634180"/>
+            <a:ext cx="4828614" cy="5964084"/>
+          </a:xfrm>
+          <a:prstGeom prst="rect">
+            <a:avLst/>
+          </a:prstGeom>
+        </p:spPr>
+      </p:pic>
+    </p:spTree>
+    <p:extLst>
+      <p:ext uri="{BB962C8B-B14F-4D97-AF65-F5344CB8AC3E}">
+        <p14:creationId xmlns:p14="http://schemas.microsoft.com/office/powerpoint/2010/main" val="1362552225"/>
+      </p:ext>
+    </p:extLst>
+  </p:cSld>
+  <p:clrMapOvr>
+    <a:masterClrMapping/>
+  </p:clrMapOvr>
+  <p:timing>
+    <p:tnLst>
+      <p:par>
+        <p:cTn id="1" dur="indefinite" restart="never" nodeType="tmRoot"/>
+      </p:par>
+    </p:tnLst>
+  </p:timing>
+</p:sld>
+</file>
+
+<file path=ppt/slides/slide4.xml><?xml version="1.0" encoding="utf-8"?>
+<p:sld xmlns:a="http://schemas.openxmlformats.org/drawingml/2006/main" xmlns:r="http://schemas.openxmlformats.org/officeDocument/2006/relationships" xmlns:p="http://schemas.openxmlformats.org/presentationml/2006/main">
+  <p:cSld>
+    <p:spTree>
+      <p:nvGrpSpPr>
+        <p:cNvPr id="1" name=""/>
+        <p:cNvGrpSpPr/>
+        <p:nvPr/>
+      </p:nvGrpSpPr>
+      <p:grpSpPr>
+        <a:xfrm>
+          <a:off x="0" y="0"/>
+          <a:ext cx="0" cy="0"/>
+          <a:chOff x="0" y="0"/>
+          <a:chExt cx="0" cy="0"/>
+        </a:xfrm>
+      </p:grpSpPr>
+      <p:sp>
+        <p:nvSpPr>
+          <p:cNvPr id="2" name="Title 1"/>
+          <p:cNvSpPr>
+            <a:spLocks noGrp="1"/>
+          </p:cNvSpPr>
+          <p:nvPr>
+            <p:ph type="title"/>
+          </p:nvPr>
+        </p:nvSpPr>
+        <p:spPr/>
+        <p:txBody>
+          <a:bodyPr/>
+          <a:lstStyle/>
+          <a:p>
+            <a:r>
+              <a:rPr lang="en-US" dirty="0" smtClean="0">
+                <a:latin typeface="Avenir Book" charset="0"/>
+                <a:ea typeface="Avenir Book" charset="0"/>
+                <a:cs typeface="Avenir Book" charset="0"/>
+              </a:rPr>
+              <a:t>Method</a:t>
+            </a:r>
+            <a:endParaRPr lang="en-US" dirty="0">
+              <a:latin typeface="Avenir Book" charset="0"/>
+              <a:ea typeface="Avenir Book" charset="0"/>
+              <a:cs typeface="Avenir Book" charset="0"/>
+            </a:endParaRPr>
+          </a:p>
+        </p:txBody>
+      </p:sp>
+      <p:sp>
+        <p:nvSpPr>
+          <p:cNvPr id="3" name="Content Placeholder 2"/>
+          <p:cNvSpPr>
+            <a:spLocks noGrp="1"/>
+          </p:cNvSpPr>
+          <p:nvPr>
+            <p:ph idx="1"/>
+          </p:nvPr>
+        </p:nvSpPr>
+        <p:spPr>
+          <a:xfrm>
+            <a:off x="838200" y="1825625"/>
+            <a:ext cx="3597762" cy="4351338"/>
+          </a:xfrm>
+        </p:spPr>
+        <p:txBody>
+          <a:bodyPr/>
+          <a:lstStyle/>
+          <a:p>
+            <a:r>
+              <a:rPr lang="en-US" dirty="0" smtClean="0">
+                <a:latin typeface="Avenir Book" charset="0"/>
+                <a:ea typeface="Avenir Book" charset="0"/>
+                <a:cs typeface="Avenir Book" charset="0"/>
+              </a:rPr>
+              <a:t>Create network where nodes are words</a:t>
+            </a:r>
+          </a:p>
+          <a:p>
+            <a:r>
+              <a:rPr lang="en-US" dirty="0" smtClean="0">
+                <a:latin typeface="Avenir Book" charset="0"/>
+                <a:ea typeface="Avenir Book" charset="0"/>
+                <a:cs typeface="Avenir Book" charset="0"/>
+              </a:rPr>
+              <a:t>Edges between words where feature shared (based on human judgements)</a:t>
+            </a:r>
+          </a:p>
+          <a:p>
+            <a:endParaRPr lang="en-US" dirty="0" smtClean="0">
+              <a:latin typeface="Avenir Book" charset="0"/>
+              <a:ea typeface="Avenir Book" charset="0"/>
+              <a:cs typeface="Avenir Book" charset="0"/>
+            </a:endParaRPr>
+          </a:p>
+        </p:txBody>
+      </p:sp>
+      <p:pic>
+        <p:nvPicPr>
+          <p:cNvPr id="5" name="Picture 4"/>
+          <p:cNvPicPr>
+            <a:picLocks noChangeAspect="1"/>
+          </p:cNvPicPr>
+          <p:nvPr/>
+        </p:nvPicPr>
+        <p:blipFill>
+          <a:blip r:embed="rId3">
+            <a:extLst>
+              <a:ext uri="{28A0092B-C50C-407E-A947-70E740481C1C}">
+                <a14:useLocalDpi xmlns:a14="http://schemas.microsoft.com/office/drawing/2010/main" val="0"/>
+              </a:ext>
+            </a:extLst>
+          </a:blip>
+          <a:stretch>
+            <a:fillRect/>
+          </a:stretch>
+        </p:blipFill>
+        <p:spPr>
+          <a:xfrm>
+            <a:off x="4435962" y="1690688"/>
+            <a:ext cx="7756038" cy="3943196"/>
+          </a:xfrm>
+          <a:prstGeom prst="rect">
+            <a:avLst/>
+          </a:prstGeom>
+        </p:spPr>
+      </p:pic>
+    </p:spTree>
+    <p:extLst>
+      <p:ext uri="{BB962C8B-B14F-4D97-AF65-F5344CB8AC3E}">
+        <p14:creationId xmlns:p14="http://schemas.microsoft.com/office/powerpoint/2010/main" val="1419395744"/>
+      </p:ext>
+    </p:extLst>
+  </p:cSld>
+  <p:clrMapOvr>
+    <a:masterClrMapping/>
+  </p:clrMapOvr>
+  <p:timing>
+    <p:tnLst>
+      <p:par>
+        <p:cTn id="1" dur="indefinite" restart="never" nodeType="tmRoot"/>
+      </p:par>
+    </p:tnLst>
+  </p:timing>
+</p:sld>
+</file>
+
+<file path=ppt/slides/slide5.xml><?xml version="1.0" encoding="utf-8"?>
 <p:sld xmlns:a="http://schemas.openxmlformats.org/drawingml/2006/main" xmlns:r="http://schemas.openxmlformats.org/officeDocument/2006/relationships" xmlns:p="http://schemas.openxmlformats.org/presentationml/2006/main">
   <p:cSld>
     <p:spTree>
@@ -4142,132 +5467,6 @@
         </p:blipFill>
         <p:spPr>
           <a:xfrm>
-            <a:off x="366251" y="1961536"/>
-            <a:ext cx="7165279" cy="3642852"/>
-          </a:xfrm>
-          <a:prstGeom prst="rect">
-            <a:avLst/>
-          </a:prstGeom>
-        </p:spPr>
-      </p:pic>
-      <p:sp>
-        <p:nvSpPr>
-          <p:cNvPr id="5" name="Title 1"/>
-          <p:cNvSpPr>
-            <a:spLocks noGrp="1"/>
-          </p:cNvSpPr>
-          <p:nvPr>
-            <p:ph type="title"/>
-          </p:nvPr>
-        </p:nvSpPr>
-        <p:spPr>
-          <a:xfrm>
-            <a:off x="366251" y="143899"/>
-            <a:ext cx="10515600" cy="1325563"/>
-          </a:xfrm>
-        </p:spPr>
-        <p:txBody>
-          <a:bodyPr/>
-          <a:lstStyle/>
-          <a:p>
-            <a:r>
-              <a:rPr lang="en-US" dirty="0" smtClean="0">
-                <a:latin typeface="Avenir Book" charset="0"/>
-                <a:ea typeface="Avenir Book" charset="0"/>
-                <a:cs typeface="Avenir Book" charset="0"/>
-              </a:rPr>
-              <a:t>Method</a:t>
-            </a:r>
-            <a:endParaRPr lang="en-US" dirty="0">
-              <a:latin typeface="Avenir Book" charset="0"/>
-              <a:ea typeface="Avenir Book" charset="0"/>
-              <a:cs typeface="Avenir Book" charset="0"/>
-            </a:endParaRPr>
-          </a:p>
-        </p:txBody>
-      </p:sp>
-      <p:pic>
-        <p:nvPicPr>
-          <p:cNvPr id="6" name="Picture 5"/>
-          <p:cNvPicPr>
-            <a:picLocks noChangeAspect="1"/>
-          </p:cNvPicPr>
-          <p:nvPr/>
-        </p:nvPicPr>
-        <p:blipFill>
-          <a:blip r:embed="rId4">
-            <a:extLst>
-              <a:ext uri="{28A0092B-C50C-407E-A947-70E740481C1C}">
-                <a14:useLocalDpi xmlns:a14="http://schemas.microsoft.com/office/drawing/2010/main" val="0"/>
-              </a:ext>
-            </a:extLst>
-          </a:blip>
-          <a:stretch>
-            <a:fillRect/>
-          </a:stretch>
-        </p:blipFill>
-        <p:spPr>
-          <a:xfrm>
-            <a:off x="7882603" y="2260190"/>
-            <a:ext cx="4203700" cy="2501900"/>
-          </a:xfrm>
-          <a:prstGeom prst="rect">
-            <a:avLst/>
-          </a:prstGeom>
-        </p:spPr>
-      </p:pic>
-    </p:spTree>
-    <p:extLst>
-      <p:ext uri="{BB962C8B-B14F-4D97-AF65-F5344CB8AC3E}">
-        <p14:creationId xmlns:p14="http://schemas.microsoft.com/office/powerpoint/2010/main" val="1125470798"/>
-      </p:ext>
-    </p:extLst>
-  </p:cSld>
-  <p:clrMapOvr>
-    <a:masterClrMapping/>
-  </p:clrMapOvr>
-</p:sld>
-</file>
-
-<file path=ppt/slides/slide4.xml><?xml version="1.0" encoding="utf-8"?>
-<p:sld xmlns:a="http://schemas.openxmlformats.org/drawingml/2006/main" xmlns:r="http://schemas.openxmlformats.org/officeDocument/2006/relationships" xmlns:p="http://schemas.openxmlformats.org/presentationml/2006/main">
-  <p:cSld>
-    <p:spTree>
-      <p:nvGrpSpPr>
-        <p:cNvPr id="1" name=""/>
-        <p:cNvGrpSpPr/>
-        <p:nvPr/>
-      </p:nvGrpSpPr>
-      <p:grpSpPr>
-        <a:xfrm>
-          <a:off x="0" y="0"/>
-          <a:ext cx="0" cy="0"/>
-          <a:chOff x="0" y="0"/>
-          <a:chExt cx="0" cy="0"/>
-        </a:xfrm>
-      </p:grpSpPr>
-      <p:pic>
-        <p:nvPicPr>
-          <p:cNvPr id="4" name="Picture 3"/>
-          <p:cNvPicPr>
-            <a:picLocks noChangeAspect="1"/>
-          </p:cNvPicPr>
-          <p:nvPr/>
-        </p:nvPicPr>
-        <p:blipFill>
-          <a:blip r:embed="rId2">
-            <a:extLst>
-              <a:ext uri="{28A0092B-C50C-407E-A947-70E740481C1C}">
-                <a14:useLocalDpi xmlns:a14="http://schemas.microsoft.com/office/drawing/2010/main" val="0"/>
-              </a:ext>
-            </a:extLst>
-          </a:blip>
-          <a:stretch>
-            <a:fillRect/>
-          </a:stretch>
-        </p:blipFill>
-        <p:spPr>
-          <a:xfrm>
             <a:off x="1821332" y="1682600"/>
             <a:ext cx="8500480" cy="4389339"/>
           </a:xfrm>
@@ -4322,10 +5521,17 @@
   <p:clrMapOvr>
     <a:masterClrMapping/>
   </p:clrMapOvr>
+  <p:timing>
+    <p:tnLst>
+      <p:par>
+        <p:cTn id="1" dur="indefinite" restart="never" nodeType="tmRoot"/>
+      </p:par>
+    </p:tnLst>
+  </p:timing>
 </p:sld>
 </file>
 
-<file path=ppt/slides/slide5.xml><?xml version="1.0" encoding="utf-8"?>
+<file path=ppt/slides/slide6.xml><?xml version="1.0" encoding="utf-8"?>
 <p:sld xmlns:a="http://schemas.openxmlformats.org/drawingml/2006/main" xmlns:r="http://schemas.openxmlformats.org/officeDocument/2006/relationships" xmlns:p="http://schemas.openxmlformats.org/presentationml/2006/main">
   <p:cSld>
     <p:spTree>
@@ -4418,120 +5624,13 @@
   <p:clrMapOvr>
     <a:masterClrMapping/>
   </p:clrMapOvr>
-</p:sld>
-</file>
-
-<file path=ppt/slides/slide6.xml><?xml version="1.0" encoding="utf-8"?>
-<p:sld xmlns:a="http://schemas.openxmlformats.org/drawingml/2006/main" xmlns:r="http://schemas.openxmlformats.org/officeDocument/2006/relationships" xmlns:p="http://schemas.openxmlformats.org/presentationml/2006/main">
-  <p:cSld>
-    <p:spTree>
-      <p:nvGrpSpPr>
-        <p:cNvPr id="1" name=""/>
-        <p:cNvGrpSpPr/>
-        <p:nvPr/>
-      </p:nvGrpSpPr>
-      <p:grpSpPr>
-        <a:xfrm>
-          <a:off x="0" y="0"/>
-          <a:ext cx="0" cy="0"/>
-          <a:chOff x="0" y="0"/>
-          <a:chExt cx="0" cy="0"/>
-        </a:xfrm>
-      </p:grpSpPr>
-      <p:sp>
-        <p:nvSpPr>
-          <p:cNvPr id="2" name="Title 1"/>
-          <p:cNvSpPr>
-            <a:spLocks noGrp="1"/>
-          </p:cNvSpPr>
-          <p:nvPr>
-            <p:ph type="title"/>
-          </p:nvPr>
-        </p:nvSpPr>
-        <p:spPr/>
-        <p:txBody>
-          <a:bodyPr/>
-          <a:lstStyle/>
-          <a:p>
-            <a:r>
-              <a:rPr lang="en-US" dirty="0" smtClean="0"/>
-              <a:t>Conclusion</a:t>
-            </a:r>
-            <a:endParaRPr lang="en-US" dirty="0"/>
-          </a:p>
-        </p:txBody>
-      </p:sp>
-      <p:sp>
-        <p:nvSpPr>
-          <p:cNvPr id="3" name="Content Placeholder 2"/>
-          <p:cNvSpPr>
-            <a:spLocks noGrp="1"/>
-          </p:cNvSpPr>
-          <p:nvPr>
-            <p:ph idx="1"/>
-          </p:nvPr>
-        </p:nvSpPr>
-        <p:spPr/>
-        <p:txBody>
-          <a:bodyPr/>
-          <a:lstStyle/>
-          <a:p>
-            <a:r>
-              <a:rPr lang="en-US" dirty="0" smtClean="0">
-                <a:latin typeface="Avenir Book" charset="0"/>
-                <a:ea typeface="Avenir Book" charset="0"/>
-                <a:cs typeface="Avenir Book" charset="0"/>
-              </a:rPr>
-              <a:t>In contrast to a growing network model, networks are created then filled</a:t>
-            </a:r>
-          </a:p>
-          <a:p>
-            <a:r>
-              <a:rPr lang="en-US" dirty="0" smtClean="0">
-                <a:latin typeface="Avenir Book" charset="0"/>
-                <a:ea typeface="Avenir Book" charset="0"/>
-                <a:cs typeface="Avenir Book" charset="0"/>
-              </a:rPr>
-              <a:t>Any ordering of words produces similar topological result</a:t>
-            </a:r>
-          </a:p>
-          <a:p>
-            <a:r>
-              <a:rPr lang="en-US" dirty="0" smtClean="0">
-                <a:latin typeface="Avenir Book" charset="0"/>
-                <a:ea typeface="Avenir Book" charset="0"/>
-                <a:cs typeface="Avenir Book" charset="0"/>
-              </a:rPr>
-              <a:t>Topological cavities are conserved feature of the learning process</a:t>
-            </a:r>
-          </a:p>
-          <a:p>
-            <a:r>
-              <a:rPr lang="en-US" dirty="0" smtClean="0">
-                <a:latin typeface="Avenir Book" charset="0"/>
-                <a:ea typeface="Avenir Book" charset="0"/>
-                <a:cs typeface="Avenir Book" charset="0"/>
-              </a:rPr>
-              <a:t>Edge properties are more important</a:t>
-            </a:r>
-            <a:endParaRPr lang="en-US" dirty="0">
-              <a:latin typeface="Avenir Book" charset="0"/>
-              <a:ea typeface="Avenir Book" charset="0"/>
-              <a:cs typeface="Avenir Book" charset="0"/>
-            </a:endParaRPr>
-          </a:p>
-        </p:txBody>
-      </p:sp>
-    </p:spTree>
-    <p:extLst>
-      <p:ext uri="{BB962C8B-B14F-4D97-AF65-F5344CB8AC3E}">
-        <p14:creationId xmlns:p14="http://schemas.microsoft.com/office/powerpoint/2010/main" val="444301011"/>
-      </p:ext>
-    </p:extLst>
-  </p:cSld>
-  <p:clrMapOvr>
-    <a:masterClrMapping/>
-  </p:clrMapOvr>
+  <p:timing>
+    <p:tnLst>
+      <p:par>
+        <p:cTn id="1" dur="indefinite" restart="never" nodeType="tmRoot"/>
+      </p:par>
+    </p:tnLst>
+  </p:timing>
 </p:sld>
 </file>
 
@@ -4562,30 +5661,12 @@
             <p:ph type="title"/>
           </p:nvPr>
         </p:nvSpPr>
-        <p:spPr/>
-        <p:txBody>
-          <a:bodyPr/>
-          <a:lstStyle/>
-          <a:p>
-            <a:r>
-              <a:rPr lang="en-US" dirty="0" smtClean="0"/>
-              <a:t>Thoughts</a:t>
-            </a:r>
-            <a:endParaRPr lang="en-US" dirty="0"/>
-          </a:p>
-        </p:txBody>
-      </p:sp>
-      <p:sp>
-        <p:nvSpPr>
-          <p:cNvPr id="6" name="Content Placeholder 5"/>
-          <p:cNvSpPr>
-            <a:spLocks noGrp="1"/>
-          </p:cNvSpPr>
-          <p:nvPr>
-            <p:ph idx="1"/>
-          </p:nvPr>
-        </p:nvSpPr>
-        <p:spPr/>
+        <p:spPr>
+          <a:xfrm>
+            <a:off x="808703" y="365125"/>
+            <a:ext cx="10515600" cy="1325563"/>
+          </a:xfrm>
+        </p:spPr>
         <p:txBody>
           <a:bodyPr/>
           <a:lstStyle/>
@@ -4596,33 +5677,7 @@
                 <a:ea typeface="Avenir Book" charset="0"/>
                 <a:cs typeface="Avenir Book" charset="0"/>
               </a:rPr>
-              <a:t>Massive variability in the number of words that kids know</a:t>
-            </a:r>
-            <a:r>
-              <a:rPr lang="mr-IN" dirty="0" smtClean="0">
-                <a:latin typeface="Avenir Book" charset="0"/>
-                <a:ea typeface="Avenir Book" charset="0"/>
-                <a:cs typeface="Avenir Book" charset="0"/>
-              </a:rPr>
-              <a:t>…</a:t>
-            </a:r>
-            <a:r>
-              <a:rPr lang="en-US" dirty="0" smtClean="0">
-                <a:latin typeface="Avenir Book" charset="0"/>
-                <a:ea typeface="Avenir Book" charset="0"/>
-                <a:cs typeface="Avenir Book" charset="0"/>
-              </a:rPr>
-              <a:t>.suggests not that they know the wrong words, but that they don’t understand the appropriate relations between them?</a:t>
-            </a:r>
-          </a:p>
-          <a:p>
-            <a:r>
-              <a:rPr lang="en-US" dirty="0" smtClean="0">
-                <a:latin typeface="Avenir Book" charset="0"/>
-                <a:ea typeface="Avenir Book" charset="0"/>
-                <a:cs typeface="Avenir Book" charset="0"/>
-              </a:rPr>
-              <a:t>Suggests semantic similarity is not the only driver of semantic growth?</a:t>
+              <a:t>Conclusion</a:t>
             </a:r>
             <a:endParaRPr lang="en-US" dirty="0">
               <a:latin typeface="Avenir Book" charset="0"/>
@@ -4632,16 +5687,136 @@
           </a:p>
         </p:txBody>
       </p:sp>
+      <p:sp>
+        <p:nvSpPr>
+          <p:cNvPr id="3" name="Content Placeholder 2"/>
+          <p:cNvSpPr>
+            <a:spLocks noGrp="1"/>
+          </p:cNvSpPr>
+          <p:nvPr>
+            <p:ph idx="1"/>
+          </p:nvPr>
+        </p:nvSpPr>
+        <p:spPr>
+          <a:xfrm>
+            <a:off x="808703" y="1825625"/>
+            <a:ext cx="10515600" cy="4351338"/>
+          </a:xfrm>
+        </p:spPr>
+        <p:txBody>
+          <a:bodyPr>
+            <a:normAutofit/>
+          </a:bodyPr>
+          <a:lstStyle/>
+          <a:p>
+            <a:r>
+              <a:rPr lang="en-US" dirty="0">
+                <a:latin typeface="Avenir Book" charset="0"/>
+                <a:ea typeface="Avenir Book" charset="0"/>
+                <a:cs typeface="Avenir Book" charset="0"/>
+              </a:rPr>
+              <a:t>L</a:t>
+            </a:r>
+            <a:r>
+              <a:rPr lang="en-US" dirty="0" smtClean="0">
+                <a:latin typeface="Avenir Book" charset="0"/>
+                <a:ea typeface="Avenir Book" charset="0"/>
+                <a:cs typeface="Avenir Book" charset="0"/>
+              </a:rPr>
+              <a:t>ong-persisting </a:t>
+            </a:r>
+            <a:r>
+              <a:rPr lang="en-US" dirty="0">
+                <a:latin typeface="Avenir Book" charset="0"/>
+                <a:ea typeface="Avenir Book" charset="0"/>
+                <a:cs typeface="Avenir Book" charset="0"/>
+              </a:rPr>
+              <a:t>cavities of varying </a:t>
+            </a:r>
+            <a:r>
+              <a:rPr lang="en-US" dirty="0" smtClean="0">
+                <a:latin typeface="Avenir Book" charset="0"/>
+                <a:ea typeface="Avenir Book" charset="0"/>
+                <a:cs typeface="Avenir Book" charset="0"/>
+              </a:rPr>
+              <a:t>dimensionality (contra strict preferential attachment rule)</a:t>
+            </a:r>
+          </a:p>
+          <a:p>
+            <a:r>
+              <a:rPr lang="en-US" dirty="0" smtClean="0">
+                <a:latin typeface="Avenir Book" charset="0"/>
+                <a:ea typeface="Avenir Book" charset="0"/>
+                <a:cs typeface="Avenir Book" charset="0"/>
+              </a:rPr>
+              <a:t>Semantic network growth is a robust phenomenon that can accommodate many local changes without abrupt restructuring of its large-scale organization </a:t>
+            </a:r>
+          </a:p>
+          <a:p>
+            <a:r>
+              <a:rPr lang="en-US" dirty="0" smtClean="0">
+                <a:latin typeface="Avenir Book" charset="0"/>
+                <a:ea typeface="Avenir Book" charset="0"/>
+                <a:cs typeface="Avenir Book" charset="0"/>
+              </a:rPr>
+              <a:t>Robust to input of learner</a:t>
+            </a:r>
+          </a:p>
+          <a:p>
+            <a:r>
+              <a:rPr lang="en-US" dirty="0" smtClean="0">
+                <a:latin typeface="Avenir Book" charset="0"/>
+                <a:ea typeface="Avenir Book" charset="0"/>
+                <a:cs typeface="Avenir Book" charset="0"/>
+              </a:rPr>
+              <a:t>Edge </a:t>
+            </a:r>
+            <a:r>
+              <a:rPr lang="en-US" dirty="0">
+                <a:latin typeface="Avenir Book" charset="0"/>
+                <a:ea typeface="Avenir Book" charset="0"/>
+                <a:cs typeface="Avenir Book" charset="0"/>
+              </a:rPr>
+              <a:t>properties are more </a:t>
+            </a:r>
+            <a:r>
+              <a:rPr lang="en-US" dirty="0" smtClean="0">
+                <a:latin typeface="Avenir Book" charset="0"/>
+                <a:ea typeface="Avenir Book" charset="0"/>
+                <a:cs typeface="Avenir Book" charset="0"/>
+              </a:rPr>
+              <a:t>important</a:t>
+            </a:r>
+          </a:p>
+          <a:p>
+            <a:endParaRPr lang="en-US" dirty="0"/>
+          </a:p>
+          <a:p>
+            <a:pPr lvl="1"/>
+            <a:endParaRPr lang="en-US" dirty="0"/>
+          </a:p>
+          <a:p>
+            <a:endParaRPr lang="en-US" dirty="0"/>
+          </a:p>
+        </p:txBody>
+      </p:sp>
     </p:spTree>
     <p:extLst>
       <p:ext uri="{BB962C8B-B14F-4D97-AF65-F5344CB8AC3E}">
-        <p14:creationId xmlns:p14="http://schemas.microsoft.com/office/powerpoint/2010/main" val="886242727"/>
+        <p14:creationId xmlns:p14="http://schemas.microsoft.com/office/powerpoint/2010/main" val="161111315"/>
       </p:ext>
     </p:extLst>
   </p:cSld>
   <p:clrMapOvr>
     <a:masterClrMapping/>
   </p:clrMapOvr>
+  <p:timing>
+    <p:tnLst>
+      <p:par>
+        <p:cTn id="1" dur="indefinite" restart="never" nodeType="tmRoot"/>
+      </p:par>
+    </p:tnLst>
+  </p:timing>
 </p:sld>
 </file>
 
@@ -4678,82 +5853,170 @@
           <a:lstStyle/>
           <a:p>
             <a:r>
-              <a:rPr lang="en-US" dirty="0" smtClean="0"/>
-              <a:t>Thoughts</a:t>
-            </a:r>
+              <a:rPr lang="en-US" dirty="0" smtClean="0">
+                <a:latin typeface="Avenir Book" charset="0"/>
+                <a:ea typeface="Avenir Book" charset="0"/>
+                <a:cs typeface="Avenir Book" charset="0"/>
+              </a:rPr>
+              <a:t>Some thoughts</a:t>
+            </a:r>
+            <a:r>
+              <a:rPr lang="mr-IN" dirty="0" smtClean="0">
+                <a:latin typeface="Avenir Book" charset="0"/>
+                <a:ea typeface="Avenir Book" charset="0"/>
+                <a:cs typeface="Avenir Book" charset="0"/>
+              </a:rPr>
+              <a:t>…</a:t>
+            </a:r>
+            <a:endParaRPr lang="en-US" dirty="0">
+              <a:latin typeface="Avenir Book" charset="0"/>
+              <a:ea typeface="Avenir Book" charset="0"/>
+              <a:cs typeface="Avenir Book" charset="0"/>
+            </a:endParaRPr>
+          </a:p>
+        </p:txBody>
+      </p:sp>
+      <p:sp>
+        <p:nvSpPr>
+          <p:cNvPr id="3" name="Content Placeholder 2"/>
+          <p:cNvSpPr>
+            <a:spLocks noGrp="1"/>
+          </p:cNvSpPr>
+          <p:nvPr>
+            <p:ph idx="1"/>
+          </p:nvPr>
+        </p:nvSpPr>
+        <p:spPr/>
+        <p:txBody>
+          <a:bodyPr/>
+          <a:lstStyle/>
+          <a:p>
+            <a:r>
+              <a:rPr lang="en-US" dirty="0">
+                <a:latin typeface="Avenir Book" charset="0"/>
+                <a:ea typeface="Avenir Book" charset="0"/>
+                <a:cs typeface="Avenir Book" charset="0"/>
+              </a:rPr>
+              <a:t>No evidence that kid similarity is same as </a:t>
+            </a:r>
+            <a:r>
+              <a:rPr lang="en-US" dirty="0" smtClean="0">
+                <a:latin typeface="Avenir Book" charset="0"/>
+                <a:ea typeface="Avenir Book" charset="0"/>
+                <a:cs typeface="Avenir Book" charset="0"/>
+              </a:rPr>
+              <a:t>adult (e.g. what </a:t>
+            </a:r>
+            <a:r>
+              <a:rPr lang="en-US" dirty="0">
+                <a:latin typeface="Avenir Book" charset="0"/>
+                <a:ea typeface="Avenir Book" charset="0"/>
+                <a:cs typeface="Avenir Book" charset="0"/>
+              </a:rPr>
+              <a:t>if you need to know the word to id the feature as </a:t>
+            </a:r>
+            <a:r>
+              <a:rPr lang="en-US" dirty="0" smtClean="0">
+                <a:latin typeface="Avenir Book" charset="0"/>
+                <a:ea typeface="Avenir Book" charset="0"/>
+                <a:cs typeface="Avenir Book" charset="0"/>
+              </a:rPr>
+              <a:t>relevant)</a:t>
+            </a:r>
+            <a:endParaRPr lang="en-US" dirty="0">
+              <a:latin typeface="Avenir Book" charset="0"/>
+              <a:ea typeface="Avenir Book" charset="0"/>
+              <a:cs typeface="Avenir Book" charset="0"/>
+            </a:endParaRPr>
+          </a:p>
+          <a:p>
+            <a:r>
+              <a:rPr lang="en-US" dirty="0">
+                <a:latin typeface="Avenir Book" charset="0"/>
+                <a:ea typeface="Avenir Book" charset="0"/>
+                <a:cs typeface="Avenir Book" charset="0"/>
+              </a:rPr>
+              <a:t>Not clear this represents the edge of individual kids semantic network</a:t>
+            </a:r>
+          </a:p>
+          <a:p>
+            <a:r>
+              <a:rPr lang="en-US" dirty="0">
+                <a:latin typeface="Avenir Book" charset="0"/>
+                <a:ea typeface="Avenir Book" charset="0"/>
+                <a:cs typeface="Avenir Book" charset="0"/>
+              </a:rPr>
+              <a:t>To what extent are these gaps an artifact of looking at a constrained </a:t>
+            </a:r>
+            <a:r>
+              <a:rPr lang="en-US" dirty="0" smtClean="0">
+                <a:latin typeface="Avenir Book" charset="0"/>
+                <a:ea typeface="Avenir Book" charset="0"/>
+                <a:cs typeface="Avenir Book" charset="0"/>
+              </a:rPr>
+              <a:t>network?</a:t>
+            </a:r>
+            <a:endParaRPr lang="en-US" dirty="0">
+              <a:latin typeface="Avenir Book" charset="0"/>
+              <a:ea typeface="Avenir Book" charset="0"/>
+              <a:cs typeface="Avenir Book" charset="0"/>
+            </a:endParaRPr>
+          </a:p>
+          <a:p>
+            <a:r>
+              <a:rPr lang="en-US" dirty="0">
+                <a:latin typeface="Avenir Book" charset="0"/>
+                <a:ea typeface="Avenir Book" charset="0"/>
+                <a:cs typeface="Avenir Book" charset="0"/>
+              </a:rPr>
+              <a:t>Predict features of slow-to-learn words</a:t>
+            </a:r>
+            <a:r>
+              <a:rPr lang="en-US" dirty="0" smtClean="0">
+                <a:latin typeface="Avenir Book" charset="0"/>
+                <a:ea typeface="Avenir Book" charset="0"/>
+                <a:cs typeface="Avenir Book" charset="0"/>
+              </a:rPr>
+              <a:t>?</a:t>
+            </a:r>
+            <a:endParaRPr lang="en-US" dirty="0">
+              <a:latin typeface="Avenir Book" charset="0"/>
+              <a:ea typeface="Avenir Book" charset="0"/>
+              <a:cs typeface="Avenir Book" charset="0"/>
+            </a:endParaRPr>
+          </a:p>
+          <a:p>
+            <a:r>
+              <a:rPr lang="en-US" dirty="0">
+                <a:latin typeface="Avenir Book" charset="0"/>
+                <a:ea typeface="Avenir Book" charset="0"/>
+                <a:cs typeface="Avenir Book" charset="0"/>
+              </a:rPr>
+              <a:t>If semantic structure varies across languages, should predict different words should be hard to learn cross-linguistically</a:t>
+            </a:r>
+          </a:p>
+          <a:p>
             <a:endParaRPr lang="en-US" dirty="0"/>
           </a:p>
         </p:txBody>
       </p:sp>
-      <p:pic>
-        <p:nvPicPr>
-          <p:cNvPr id="4" name="Content Placeholder 3"/>
-          <p:cNvPicPr>
-            <a:picLocks noGrp="1" noChangeAspect="1"/>
-          </p:cNvPicPr>
-          <p:nvPr>
-            <p:ph idx="1"/>
-          </p:nvPr>
-        </p:nvPicPr>
-        <p:blipFill>
-          <a:blip r:embed="rId3">
-            <a:extLst>
-              <a:ext uri="{28A0092B-C50C-407E-A947-70E740481C1C}">
-                <a14:useLocalDpi xmlns:a14="http://schemas.microsoft.com/office/drawing/2010/main" val="0"/>
-              </a:ext>
-            </a:extLst>
-          </a:blip>
-          <a:stretch>
-            <a:fillRect/>
-          </a:stretch>
-        </p:blipFill>
-        <p:spPr>
-          <a:xfrm>
-            <a:off x="5137150" y="2743994"/>
-            <a:ext cx="1917700" cy="2514600"/>
-          </a:xfrm>
-        </p:spPr>
-      </p:pic>
-      <p:pic>
-        <p:nvPicPr>
-          <p:cNvPr id="5" name="Picture 4"/>
-          <p:cNvPicPr>
-            <a:picLocks noChangeAspect="1"/>
-          </p:cNvPicPr>
-          <p:nvPr/>
-        </p:nvPicPr>
-        <p:blipFill>
-          <a:blip r:embed="rId4">
-            <a:extLst>
-              <a:ext uri="{28A0092B-C50C-407E-A947-70E740481C1C}">
-                <a14:useLocalDpi xmlns:a14="http://schemas.microsoft.com/office/drawing/2010/main" val="0"/>
-              </a:ext>
-            </a:extLst>
-          </a:blip>
-          <a:stretch>
-            <a:fillRect/>
-          </a:stretch>
-        </p:blipFill>
-        <p:spPr>
-          <a:xfrm>
-            <a:off x="232780" y="2362994"/>
-            <a:ext cx="2235200" cy="2895600"/>
-          </a:xfrm>
-          <a:prstGeom prst="rect">
-            <a:avLst/>
-          </a:prstGeom>
-        </p:spPr>
-      </p:pic>
     </p:spTree>
     <p:extLst>
       <p:ext uri="{BB962C8B-B14F-4D97-AF65-F5344CB8AC3E}">
-        <p14:creationId xmlns:p14="http://schemas.microsoft.com/office/powerpoint/2010/main" val="1770043678"/>
+        <p14:creationId xmlns:p14="http://schemas.microsoft.com/office/powerpoint/2010/main" val="1123172624"/>
       </p:ext>
     </p:extLst>
   </p:cSld>
   <p:clrMapOvr>
     <a:masterClrMapping/>
   </p:clrMapOvr>
+  <p:timing>
+    <p:tnLst>
+      <p:par>
+        <p:cTn id="1" dur="indefinite" restart="never" nodeType="tmRoot"/>
+      </p:par>
+    </p:tnLst>
+  </p:timing>
 </p:sld>
 </file>
 
